--- a/joint-project-takeaway-app-18630-20630.pptx
+++ b/joint-project-takeaway-app-18630-20630.pptx
@@ -14,14 +14,13 @@
     <p:sldId id="269" r:id="rId8"/>
     <p:sldId id="270" r:id="rId9"/>
     <p:sldId id="261" r:id="rId10"/>
-    <p:sldId id="262" r:id="rId11"/>
-    <p:sldId id="263" r:id="rId12"/>
-    <p:sldId id="264" r:id="rId13"/>
-    <p:sldId id="272" r:id="rId14"/>
-    <p:sldId id="265" r:id="rId15"/>
-    <p:sldId id="266" r:id="rId16"/>
-    <p:sldId id="267" r:id="rId17"/>
-    <p:sldId id="273" r:id="rId18"/>
+    <p:sldId id="263" r:id="rId11"/>
+    <p:sldId id="264" r:id="rId12"/>
+    <p:sldId id="272" r:id="rId13"/>
+    <p:sldId id="265" r:id="rId14"/>
+    <p:sldId id="266" r:id="rId15"/>
+    <p:sldId id="267" r:id="rId16"/>
+    <p:sldId id="273" r:id="rId17"/>
   </p:sldIdLst>
   <p:sldSz cx="12192000" cy="6858000"/>
   <p:notesSz cx="6858000" cy="9144000"/>
@@ -132,7 +131,7 @@
 <p1510:revInfo xmlns:a="http://schemas.openxmlformats.org/drawingml/2006/main" xmlns:r="http://schemas.openxmlformats.org/officeDocument/2006/relationships" xmlns:p1510="http://schemas.microsoft.com/office/powerpoint/2015/10/main">
   <p1510:revLst>
     <p1510:client id="{B74BA8D8-9E9B-44D9-A5AB-DAE692ADFDAC}" v="1346" dt="2020-12-14T22:20:53.539"/>
-    <p1510:client id="{E79B69ED-7FC9-3093-1CDB-3B418B5FDB08}" v="1367" dt="2020-12-16T22:28:46.758"/>
+    <p1510:client id="{E79B69ED-7FC9-3093-1CDB-3B418B5FDB08}" v="1385" dt="2020-12-16T23:07:20.685"/>
   </p1510:revLst>
 </p1510:revInfo>
 </file>
@@ -1673,6 +1672,881 @@
     <dgm:linClrLst meth="repeat">
       <a:schemeClr val="accent4">
         <a:tint val="50000"/>
+      </a:schemeClr>
+    </dgm:linClrLst>
+    <dgm:effectClrLst/>
+    <dgm:txLinClrLst/>
+    <dgm:txFillClrLst meth="repeat">
+      <a:schemeClr val="dk1"/>
+    </dgm:txFillClrLst>
+    <dgm:txEffectClrLst/>
+  </dgm:styleLbl>
+  <dgm:styleLbl name="bgShp">
+    <dgm:fillClrLst meth="repeat">
+      <a:schemeClr val="accent4">
+        <a:tint val="40000"/>
+      </a:schemeClr>
+    </dgm:fillClrLst>
+    <dgm:linClrLst meth="repeat">
+      <a:schemeClr val="dk1"/>
+    </dgm:linClrLst>
+    <dgm:effectClrLst/>
+    <dgm:txLinClrLst/>
+    <dgm:txFillClrLst meth="repeat">
+      <a:schemeClr val="dk1"/>
+    </dgm:txFillClrLst>
+    <dgm:txEffectClrLst/>
+  </dgm:styleLbl>
+  <dgm:styleLbl name="dkBgShp">
+    <dgm:fillClrLst meth="repeat">
+      <a:schemeClr val="accent4">
+        <a:shade val="90000"/>
+      </a:schemeClr>
+    </dgm:fillClrLst>
+    <dgm:linClrLst meth="repeat">
+      <a:schemeClr val="dk1"/>
+    </dgm:linClrLst>
+    <dgm:effectClrLst/>
+    <dgm:txLinClrLst/>
+    <dgm:txFillClrLst meth="repeat">
+      <a:schemeClr val="lt1"/>
+    </dgm:txFillClrLst>
+    <dgm:txEffectClrLst/>
+  </dgm:styleLbl>
+  <dgm:styleLbl name="trBgShp">
+    <dgm:fillClrLst meth="repeat">
+      <a:schemeClr val="accent4">
+        <a:tint val="50000"/>
+        <a:alpha val="40000"/>
+      </a:schemeClr>
+    </dgm:fillClrLst>
+    <dgm:linClrLst meth="repeat">
+      <a:schemeClr val="accent4"/>
+    </dgm:linClrLst>
+    <dgm:effectClrLst/>
+    <dgm:txLinClrLst/>
+    <dgm:txFillClrLst meth="repeat">
+      <a:schemeClr val="lt1"/>
+    </dgm:txFillClrLst>
+    <dgm:txEffectClrLst/>
+  </dgm:styleLbl>
+  <dgm:styleLbl name="fgShp">
+    <dgm:fillClrLst meth="repeat">
+      <a:schemeClr val="accent4">
+        <a:tint val="40000"/>
+      </a:schemeClr>
+    </dgm:fillClrLst>
+    <dgm:linClrLst meth="repeat">
+      <a:schemeClr val="lt1"/>
+    </dgm:linClrLst>
+    <dgm:effectClrLst/>
+    <dgm:txLinClrLst/>
+    <dgm:txFillClrLst meth="repeat">
+      <a:schemeClr val="dk1"/>
+    </dgm:txFillClrLst>
+    <dgm:txEffectClrLst/>
+  </dgm:styleLbl>
+  <dgm:styleLbl name="revTx">
+    <dgm:fillClrLst meth="repeat">
+      <a:schemeClr val="lt1">
+        <a:alpha val="0"/>
+      </a:schemeClr>
+    </dgm:fillClrLst>
+    <dgm:linClrLst meth="repeat">
+      <a:schemeClr val="dk1">
+        <a:alpha val="0"/>
+      </a:schemeClr>
+    </dgm:linClrLst>
+    <dgm:effectClrLst/>
+    <dgm:txLinClrLst/>
+    <dgm:txFillClrLst meth="repeat">
+      <a:schemeClr val="tx1"/>
+    </dgm:txFillClrLst>
+    <dgm:txEffectClrLst/>
+  </dgm:styleLbl>
+</dgm:colorsDef>
+</file>
+
+<file path=ppt/diagrams/colors3.xml><?xml version="1.0" encoding="utf-8"?>
+<dgm:colorsDef xmlns:dgm="http://schemas.openxmlformats.org/drawingml/2006/diagram" xmlns:a="http://schemas.openxmlformats.org/drawingml/2006/main" uniqueId="urn:microsoft.com/office/officeart/2005/8/colors/accent4_3">
+  <dgm:title val=""/>
+  <dgm:desc val=""/>
+  <dgm:catLst>
+    <dgm:cat type="accent4" pri="11300"/>
+  </dgm:catLst>
+  <dgm:styleLbl name="node0">
+    <dgm:fillClrLst meth="repeat">
+      <a:schemeClr val="accent4">
+        <a:shade val="80000"/>
+      </a:schemeClr>
+    </dgm:fillClrLst>
+    <dgm:linClrLst meth="repeat">
+      <a:schemeClr val="lt1"/>
+    </dgm:linClrLst>
+    <dgm:effectClrLst/>
+    <dgm:txLinClrLst/>
+    <dgm:txFillClrLst/>
+    <dgm:txEffectClrLst/>
+  </dgm:styleLbl>
+  <dgm:styleLbl name="node1">
+    <dgm:fillClrLst>
+      <a:schemeClr val="accent4">
+        <a:shade val="80000"/>
+      </a:schemeClr>
+      <a:schemeClr val="accent4">
+        <a:tint val="70000"/>
+      </a:schemeClr>
+    </dgm:fillClrLst>
+    <dgm:linClrLst meth="repeat">
+      <a:schemeClr val="lt1"/>
+    </dgm:linClrLst>
+    <dgm:effectClrLst/>
+    <dgm:txLinClrLst/>
+    <dgm:txFillClrLst/>
+    <dgm:txEffectClrLst/>
+  </dgm:styleLbl>
+  <dgm:styleLbl name="alignNode1">
+    <dgm:fillClrLst>
+      <a:schemeClr val="accent4">
+        <a:shade val="80000"/>
+      </a:schemeClr>
+      <a:schemeClr val="accent4">
+        <a:tint val="70000"/>
+      </a:schemeClr>
+    </dgm:fillClrLst>
+    <dgm:linClrLst>
+      <a:schemeClr val="accent4">
+        <a:shade val="80000"/>
+      </a:schemeClr>
+      <a:schemeClr val="accent4">
+        <a:tint val="70000"/>
+      </a:schemeClr>
+    </dgm:linClrLst>
+    <dgm:effectClrLst/>
+    <dgm:txLinClrLst/>
+    <dgm:txFillClrLst/>
+    <dgm:txEffectClrLst/>
+  </dgm:styleLbl>
+  <dgm:styleLbl name="lnNode1">
+    <dgm:fillClrLst>
+      <a:schemeClr val="accent4">
+        <a:shade val="80000"/>
+      </a:schemeClr>
+      <a:schemeClr val="accent4">
+        <a:tint val="70000"/>
+      </a:schemeClr>
+    </dgm:fillClrLst>
+    <dgm:linClrLst meth="repeat">
+      <a:schemeClr val="lt1"/>
+    </dgm:linClrLst>
+    <dgm:effectClrLst/>
+    <dgm:txLinClrLst/>
+    <dgm:txFillClrLst/>
+    <dgm:txEffectClrLst/>
+  </dgm:styleLbl>
+  <dgm:styleLbl name="vennNode1">
+    <dgm:fillClrLst>
+      <a:schemeClr val="accent4">
+        <a:shade val="80000"/>
+        <a:alpha val="50000"/>
+      </a:schemeClr>
+      <a:schemeClr val="accent4">
+        <a:tint val="70000"/>
+        <a:alpha val="50000"/>
+      </a:schemeClr>
+    </dgm:fillClrLst>
+    <dgm:linClrLst meth="repeat">
+      <a:schemeClr val="lt1"/>
+    </dgm:linClrLst>
+    <dgm:effectClrLst/>
+    <dgm:txLinClrLst/>
+    <dgm:txFillClrLst/>
+    <dgm:txEffectClrLst/>
+  </dgm:styleLbl>
+  <dgm:styleLbl name="node2">
+    <dgm:fillClrLst>
+      <a:schemeClr val="accent4">
+        <a:tint val="99000"/>
+      </a:schemeClr>
+    </dgm:fillClrLst>
+    <dgm:linClrLst meth="repeat">
+      <a:schemeClr val="lt1"/>
+    </dgm:linClrLst>
+    <dgm:effectClrLst/>
+    <dgm:txLinClrLst/>
+    <dgm:txFillClrLst/>
+    <dgm:txEffectClrLst/>
+  </dgm:styleLbl>
+  <dgm:styleLbl name="node3">
+    <dgm:fillClrLst>
+      <a:schemeClr val="accent4">
+        <a:tint val="80000"/>
+      </a:schemeClr>
+    </dgm:fillClrLst>
+    <dgm:linClrLst meth="repeat">
+      <a:schemeClr val="lt1"/>
+    </dgm:linClrLst>
+    <dgm:effectClrLst/>
+    <dgm:txLinClrLst/>
+    <dgm:txFillClrLst/>
+    <dgm:txEffectClrLst/>
+  </dgm:styleLbl>
+  <dgm:styleLbl name="node4">
+    <dgm:fillClrLst>
+      <a:schemeClr val="accent4">
+        <a:tint val="70000"/>
+      </a:schemeClr>
+    </dgm:fillClrLst>
+    <dgm:linClrLst meth="repeat">
+      <a:schemeClr val="lt1"/>
+    </dgm:linClrLst>
+    <dgm:effectClrLst/>
+    <dgm:txLinClrLst/>
+    <dgm:txFillClrLst/>
+    <dgm:txEffectClrLst/>
+  </dgm:styleLbl>
+  <dgm:styleLbl name="fgImgPlace1">
+    <dgm:fillClrLst>
+      <a:schemeClr val="accent4">
+        <a:tint val="50000"/>
+      </a:schemeClr>
+      <a:schemeClr val="accent4">
+        <a:tint val="20000"/>
+      </a:schemeClr>
+    </dgm:fillClrLst>
+    <dgm:linClrLst meth="repeat">
+      <a:schemeClr val="lt1"/>
+    </dgm:linClrLst>
+    <dgm:effectClrLst/>
+    <dgm:txLinClrLst/>
+    <dgm:txFillClrLst meth="repeat">
+      <a:schemeClr val="lt1"/>
+    </dgm:txFillClrLst>
+    <dgm:txEffectClrLst/>
+  </dgm:styleLbl>
+  <dgm:styleLbl name="alignImgPlace1">
+    <dgm:fillClrLst>
+      <a:schemeClr val="accent4">
+        <a:tint val="50000"/>
+      </a:schemeClr>
+      <a:schemeClr val="accent4">
+        <a:tint val="20000"/>
+      </a:schemeClr>
+    </dgm:fillClrLst>
+    <dgm:linClrLst meth="repeat">
+      <a:schemeClr val="lt1"/>
+    </dgm:linClrLst>
+    <dgm:effectClrLst/>
+    <dgm:txLinClrLst/>
+    <dgm:txFillClrLst meth="repeat">
+      <a:schemeClr val="lt1"/>
+    </dgm:txFillClrLst>
+    <dgm:txEffectClrLst/>
+  </dgm:styleLbl>
+  <dgm:styleLbl name="bgImgPlace1">
+    <dgm:fillClrLst>
+      <a:schemeClr val="accent4">
+        <a:tint val="50000"/>
+      </a:schemeClr>
+      <a:schemeClr val="accent4">
+        <a:tint val="20000"/>
+      </a:schemeClr>
+    </dgm:fillClrLst>
+    <dgm:linClrLst meth="repeat">
+      <a:schemeClr val="lt1"/>
+    </dgm:linClrLst>
+    <dgm:effectClrLst/>
+    <dgm:txLinClrLst/>
+    <dgm:txFillClrLst meth="repeat">
+      <a:schemeClr val="lt1"/>
+    </dgm:txFillClrLst>
+    <dgm:txEffectClrLst/>
+  </dgm:styleLbl>
+  <dgm:styleLbl name="sibTrans2D1">
+    <dgm:fillClrLst>
+      <a:schemeClr val="accent4">
+        <a:shade val="90000"/>
+      </a:schemeClr>
+      <a:schemeClr val="accent4">
+        <a:tint val="70000"/>
+      </a:schemeClr>
+    </dgm:fillClrLst>
+    <dgm:linClrLst>
+      <a:schemeClr val="accent4">
+        <a:shade val="90000"/>
+      </a:schemeClr>
+      <a:schemeClr val="accent4">
+        <a:tint val="70000"/>
+      </a:schemeClr>
+    </dgm:linClrLst>
+    <dgm:effectClrLst/>
+    <dgm:txLinClrLst/>
+    <dgm:txFillClrLst/>
+    <dgm:txEffectClrLst/>
+  </dgm:styleLbl>
+  <dgm:styleLbl name="fgSibTrans2D1">
+    <dgm:fillClrLst>
+      <a:schemeClr val="accent4">
+        <a:shade val="90000"/>
+      </a:schemeClr>
+      <a:schemeClr val="accent4">
+        <a:tint val="70000"/>
+      </a:schemeClr>
+    </dgm:fillClrLst>
+    <dgm:linClrLst>
+      <a:schemeClr val="accent4">
+        <a:shade val="90000"/>
+      </a:schemeClr>
+      <a:schemeClr val="accent4">
+        <a:tint val="70000"/>
+      </a:schemeClr>
+    </dgm:linClrLst>
+    <dgm:effectClrLst/>
+    <dgm:txLinClrLst/>
+    <dgm:txFillClrLst meth="repeat">
+      <a:schemeClr val="lt1"/>
+    </dgm:txFillClrLst>
+    <dgm:txEffectClrLst/>
+  </dgm:styleLbl>
+  <dgm:styleLbl name="bgSibTrans2D1">
+    <dgm:fillClrLst>
+      <a:schemeClr val="accent4">
+        <a:shade val="90000"/>
+      </a:schemeClr>
+      <a:schemeClr val="accent4">
+        <a:tint val="70000"/>
+      </a:schemeClr>
+    </dgm:fillClrLst>
+    <dgm:linClrLst>
+      <a:schemeClr val="accent4">
+        <a:shade val="90000"/>
+      </a:schemeClr>
+      <a:schemeClr val="accent4">
+        <a:tint val="70000"/>
+      </a:schemeClr>
+    </dgm:linClrLst>
+    <dgm:effectClrLst/>
+    <dgm:txLinClrLst/>
+    <dgm:txFillClrLst meth="repeat">
+      <a:schemeClr val="lt1"/>
+    </dgm:txFillClrLst>
+    <dgm:txEffectClrLst/>
+  </dgm:styleLbl>
+  <dgm:styleLbl name="sibTrans1D1">
+    <dgm:fillClrLst>
+      <a:schemeClr val="accent4">
+        <a:shade val="90000"/>
+      </a:schemeClr>
+      <a:schemeClr val="accent4">
+        <a:tint val="70000"/>
+      </a:schemeClr>
+    </dgm:fillClrLst>
+    <dgm:linClrLst>
+      <a:schemeClr val="accent4">
+        <a:shade val="90000"/>
+      </a:schemeClr>
+      <a:schemeClr val="accent4">
+        <a:tint val="70000"/>
+      </a:schemeClr>
+    </dgm:linClrLst>
+    <dgm:effectClrLst/>
+    <dgm:txLinClrLst/>
+    <dgm:txFillClrLst meth="repeat">
+      <a:schemeClr val="tx1"/>
+    </dgm:txFillClrLst>
+    <dgm:txEffectClrLst/>
+  </dgm:styleLbl>
+  <dgm:styleLbl name="callout">
+    <dgm:fillClrLst meth="repeat">
+      <a:schemeClr val="accent4"/>
+    </dgm:fillClrLst>
+    <dgm:linClrLst meth="repeat">
+      <a:schemeClr val="accent4"/>
+    </dgm:linClrLst>
+    <dgm:effectClrLst/>
+    <dgm:txLinClrLst/>
+    <dgm:txFillClrLst meth="repeat">
+      <a:schemeClr val="tx1"/>
+    </dgm:txFillClrLst>
+    <dgm:txEffectClrLst/>
+  </dgm:styleLbl>
+  <dgm:styleLbl name="asst0">
+    <dgm:fillClrLst meth="repeat">
+      <a:schemeClr val="accent4">
+        <a:shade val="80000"/>
+      </a:schemeClr>
+    </dgm:fillClrLst>
+    <dgm:linClrLst meth="repeat">
+      <a:schemeClr val="lt1"/>
+    </dgm:linClrLst>
+    <dgm:effectClrLst/>
+    <dgm:txLinClrLst/>
+    <dgm:txFillClrLst/>
+    <dgm:txEffectClrLst/>
+  </dgm:styleLbl>
+  <dgm:styleLbl name="asst1">
+    <dgm:fillClrLst meth="repeat">
+      <a:schemeClr val="accent4">
+        <a:shade val="80000"/>
+      </a:schemeClr>
+    </dgm:fillClrLst>
+    <dgm:linClrLst meth="repeat">
+      <a:schemeClr val="lt1"/>
+    </dgm:linClrLst>
+    <dgm:effectClrLst/>
+    <dgm:txLinClrLst/>
+    <dgm:txFillClrLst/>
+    <dgm:txEffectClrLst/>
+  </dgm:styleLbl>
+  <dgm:styleLbl name="asst2">
+    <dgm:fillClrLst>
+      <a:schemeClr val="accent4">
+        <a:tint val="99000"/>
+      </a:schemeClr>
+    </dgm:fillClrLst>
+    <dgm:linClrLst meth="repeat">
+      <a:schemeClr val="lt1"/>
+    </dgm:linClrLst>
+    <dgm:effectClrLst/>
+    <dgm:txLinClrLst/>
+    <dgm:txFillClrLst/>
+    <dgm:txEffectClrLst/>
+  </dgm:styleLbl>
+  <dgm:styleLbl name="asst3">
+    <dgm:fillClrLst>
+      <a:schemeClr val="accent4">
+        <a:tint val="80000"/>
+      </a:schemeClr>
+    </dgm:fillClrLst>
+    <dgm:linClrLst meth="repeat">
+      <a:schemeClr val="lt1"/>
+    </dgm:linClrLst>
+    <dgm:effectClrLst/>
+    <dgm:txLinClrLst/>
+    <dgm:txFillClrLst/>
+    <dgm:txEffectClrLst/>
+  </dgm:styleLbl>
+  <dgm:styleLbl name="asst4">
+    <dgm:fillClrLst>
+      <a:schemeClr val="accent4">
+        <a:tint val="70000"/>
+      </a:schemeClr>
+    </dgm:fillClrLst>
+    <dgm:linClrLst meth="repeat">
+      <a:schemeClr val="lt1"/>
+    </dgm:linClrLst>
+    <dgm:effectClrLst/>
+    <dgm:txLinClrLst/>
+    <dgm:txFillClrLst/>
+    <dgm:txEffectClrLst/>
+  </dgm:styleLbl>
+  <dgm:styleLbl name="parChTrans2D1">
+    <dgm:fillClrLst meth="repeat">
+      <a:schemeClr val="accent4">
+        <a:tint val="60000"/>
+      </a:schemeClr>
+    </dgm:fillClrLst>
+    <dgm:linClrLst meth="repeat">
+      <a:schemeClr val="accent4">
+        <a:tint val="60000"/>
+      </a:schemeClr>
+    </dgm:linClrLst>
+    <dgm:effectClrLst/>
+    <dgm:txLinClrLst/>
+    <dgm:txFillClrLst meth="repeat">
+      <a:schemeClr val="lt1"/>
+    </dgm:txFillClrLst>
+    <dgm:txEffectClrLst/>
+  </dgm:styleLbl>
+  <dgm:styleLbl name="parChTrans2D2">
+    <dgm:fillClrLst meth="repeat">
+      <a:schemeClr val="accent4">
+        <a:tint val="90000"/>
+      </a:schemeClr>
+    </dgm:fillClrLst>
+    <dgm:linClrLst meth="repeat">
+      <a:schemeClr val="accent4">
+        <a:tint val="90000"/>
+      </a:schemeClr>
+    </dgm:linClrLst>
+    <dgm:effectClrLst/>
+    <dgm:txLinClrLst/>
+    <dgm:txFillClrLst/>
+    <dgm:txEffectClrLst/>
+  </dgm:styleLbl>
+  <dgm:styleLbl name="parChTrans2D3">
+    <dgm:fillClrLst meth="repeat">
+      <a:schemeClr val="accent4">
+        <a:tint val="70000"/>
+      </a:schemeClr>
+    </dgm:fillClrLst>
+    <dgm:linClrLst meth="repeat">
+      <a:schemeClr val="accent4">
+        <a:tint val="70000"/>
+      </a:schemeClr>
+    </dgm:linClrLst>
+    <dgm:effectClrLst/>
+    <dgm:txLinClrLst/>
+    <dgm:txFillClrLst/>
+    <dgm:txEffectClrLst/>
+  </dgm:styleLbl>
+  <dgm:styleLbl name="parChTrans2D4">
+    <dgm:fillClrLst meth="repeat">
+      <a:schemeClr val="accent4">
+        <a:tint val="50000"/>
+      </a:schemeClr>
+    </dgm:fillClrLst>
+    <dgm:linClrLst meth="repeat">
+      <a:schemeClr val="accent4">
+        <a:tint val="50000"/>
+      </a:schemeClr>
+    </dgm:linClrLst>
+    <dgm:effectClrLst/>
+    <dgm:txLinClrLst/>
+    <dgm:txFillClrLst meth="repeat">
+      <a:schemeClr val="lt1"/>
+    </dgm:txFillClrLst>
+    <dgm:txEffectClrLst/>
+  </dgm:styleLbl>
+  <dgm:styleLbl name="parChTrans1D1">
+    <dgm:fillClrLst meth="repeat">
+      <a:schemeClr val="accent4">
+        <a:shade val="80000"/>
+      </a:schemeClr>
+    </dgm:fillClrLst>
+    <dgm:linClrLst meth="repeat">
+      <a:schemeClr val="accent4">
+        <a:shade val="80000"/>
+      </a:schemeClr>
+    </dgm:linClrLst>
+    <dgm:effectClrLst/>
+    <dgm:txLinClrLst/>
+    <dgm:txFillClrLst meth="repeat">
+      <a:schemeClr val="tx1"/>
+    </dgm:txFillClrLst>
+    <dgm:txEffectClrLst/>
+  </dgm:styleLbl>
+  <dgm:styleLbl name="parChTrans1D2">
+    <dgm:fillClrLst meth="repeat">
+      <a:schemeClr val="accent4">
+        <a:tint val="99000"/>
+      </a:schemeClr>
+    </dgm:fillClrLst>
+    <dgm:linClrLst meth="repeat">
+      <a:schemeClr val="accent4">
+        <a:tint val="99000"/>
+      </a:schemeClr>
+    </dgm:linClrLst>
+    <dgm:effectClrLst/>
+    <dgm:txLinClrLst/>
+    <dgm:txFillClrLst meth="repeat">
+      <a:schemeClr val="tx1"/>
+    </dgm:txFillClrLst>
+    <dgm:txEffectClrLst/>
+  </dgm:styleLbl>
+  <dgm:styleLbl name="parChTrans1D3">
+    <dgm:fillClrLst meth="repeat">
+      <a:schemeClr val="accent4">
+        <a:tint val="80000"/>
+      </a:schemeClr>
+    </dgm:fillClrLst>
+    <dgm:linClrLst meth="repeat">
+      <a:schemeClr val="accent4">
+        <a:tint val="80000"/>
+      </a:schemeClr>
+    </dgm:linClrLst>
+    <dgm:effectClrLst/>
+    <dgm:txLinClrLst/>
+    <dgm:txFillClrLst meth="repeat">
+      <a:schemeClr val="tx1"/>
+    </dgm:txFillClrLst>
+    <dgm:txEffectClrLst/>
+  </dgm:styleLbl>
+  <dgm:styleLbl name="parChTrans1D4">
+    <dgm:fillClrLst meth="repeat">
+      <a:schemeClr val="accent4">
+        <a:tint val="70000"/>
+      </a:schemeClr>
+    </dgm:fillClrLst>
+    <dgm:linClrLst meth="repeat">
+      <a:schemeClr val="accent4">
+        <a:tint val="70000"/>
+      </a:schemeClr>
+    </dgm:linClrLst>
+    <dgm:effectClrLst/>
+    <dgm:txLinClrLst/>
+    <dgm:txFillClrLst meth="repeat">
+      <a:schemeClr val="tx1"/>
+    </dgm:txFillClrLst>
+    <dgm:txEffectClrLst/>
+  </dgm:styleLbl>
+  <dgm:styleLbl name="fgAcc1">
+    <dgm:fillClrLst meth="repeat">
+      <a:schemeClr val="lt1">
+        <a:alpha val="90000"/>
+      </a:schemeClr>
+    </dgm:fillClrLst>
+    <dgm:linClrLst>
+      <a:schemeClr val="accent4">
+        <a:shade val="80000"/>
+      </a:schemeClr>
+      <a:schemeClr val="accent4">
+        <a:tint val="70000"/>
+      </a:schemeClr>
+    </dgm:linClrLst>
+    <dgm:effectClrLst/>
+    <dgm:txLinClrLst/>
+    <dgm:txFillClrLst meth="repeat">
+      <a:schemeClr val="dk1"/>
+    </dgm:txFillClrLst>
+    <dgm:txEffectClrLst/>
+  </dgm:styleLbl>
+  <dgm:styleLbl name="conFgAcc1">
+    <dgm:fillClrLst meth="repeat">
+      <a:schemeClr val="lt1">
+        <a:alpha val="90000"/>
+      </a:schemeClr>
+    </dgm:fillClrLst>
+    <dgm:linClrLst>
+      <a:schemeClr val="accent4">
+        <a:shade val="80000"/>
+      </a:schemeClr>
+      <a:schemeClr val="accent4">
+        <a:tint val="70000"/>
+      </a:schemeClr>
+    </dgm:linClrLst>
+    <dgm:effectClrLst/>
+    <dgm:txLinClrLst/>
+    <dgm:txFillClrLst meth="repeat">
+      <a:schemeClr val="dk1"/>
+    </dgm:txFillClrLst>
+    <dgm:txEffectClrLst/>
+  </dgm:styleLbl>
+  <dgm:styleLbl name="alignAcc1">
+    <dgm:fillClrLst meth="repeat">
+      <a:schemeClr val="lt1">
+        <a:alpha val="90000"/>
+      </a:schemeClr>
+    </dgm:fillClrLst>
+    <dgm:linClrLst>
+      <a:schemeClr val="accent4">
+        <a:shade val="80000"/>
+      </a:schemeClr>
+      <a:schemeClr val="accent4">
+        <a:tint val="70000"/>
+      </a:schemeClr>
+    </dgm:linClrLst>
+    <dgm:effectClrLst/>
+    <dgm:txLinClrLst/>
+    <dgm:txFillClrLst meth="repeat">
+      <a:schemeClr val="dk1"/>
+    </dgm:txFillClrLst>
+    <dgm:txEffectClrLst/>
+  </dgm:styleLbl>
+  <dgm:styleLbl name="trAlignAcc1">
+    <dgm:fillClrLst meth="repeat">
+      <a:schemeClr val="lt1">
+        <a:alpha val="40000"/>
+      </a:schemeClr>
+    </dgm:fillClrLst>
+    <dgm:linClrLst meth="repeat">
+      <a:schemeClr val="accent4"/>
+    </dgm:linClrLst>
+    <dgm:effectClrLst/>
+    <dgm:txLinClrLst/>
+    <dgm:txFillClrLst meth="repeat">
+      <a:schemeClr val="dk1"/>
+    </dgm:txFillClrLst>
+    <dgm:txEffectClrLst/>
+  </dgm:styleLbl>
+  <dgm:styleLbl name="bgAcc1">
+    <dgm:fillClrLst meth="repeat">
+      <a:schemeClr val="lt1">
+        <a:alpha val="90000"/>
+      </a:schemeClr>
+    </dgm:fillClrLst>
+    <dgm:linClrLst>
+      <a:schemeClr val="accent4">
+        <a:shade val="80000"/>
+      </a:schemeClr>
+      <a:schemeClr val="accent4">
+        <a:tint val="70000"/>
+      </a:schemeClr>
+    </dgm:linClrLst>
+    <dgm:effectClrLst/>
+    <dgm:txLinClrLst/>
+    <dgm:txFillClrLst meth="repeat">
+      <a:schemeClr val="dk1"/>
+    </dgm:txFillClrLst>
+    <dgm:txEffectClrLst/>
+  </dgm:styleLbl>
+  <dgm:styleLbl name="solidFgAcc1">
+    <dgm:fillClrLst meth="repeat">
+      <a:schemeClr val="lt1"/>
+    </dgm:fillClrLst>
+    <dgm:linClrLst>
+      <a:schemeClr val="accent4">
+        <a:shade val="80000"/>
+      </a:schemeClr>
+      <a:schemeClr val="accent4">
+        <a:tint val="70000"/>
+      </a:schemeClr>
+    </dgm:linClrLst>
+    <dgm:effectClrLst/>
+    <dgm:txLinClrLst/>
+    <dgm:txFillClrLst meth="repeat">
+      <a:schemeClr val="dk1"/>
+    </dgm:txFillClrLst>
+    <dgm:txEffectClrLst/>
+  </dgm:styleLbl>
+  <dgm:styleLbl name="solidAlignAcc1">
+    <dgm:fillClrLst meth="repeat">
+      <a:schemeClr val="lt1"/>
+    </dgm:fillClrLst>
+    <dgm:linClrLst meth="repeat">
+      <a:schemeClr val="accent4"/>
+    </dgm:linClrLst>
+    <dgm:effectClrLst/>
+    <dgm:txLinClrLst/>
+    <dgm:txFillClrLst meth="repeat">
+      <a:schemeClr val="dk1"/>
+    </dgm:txFillClrLst>
+    <dgm:txEffectClrLst/>
+  </dgm:styleLbl>
+  <dgm:styleLbl name="solidBgAcc1">
+    <dgm:fillClrLst meth="repeat">
+      <a:schemeClr val="lt1"/>
+    </dgm:fillClrLst>
+    <dgm:linClrLst meth="repeat">
+      <a:schemeClr val="accent4"/>
+    </dgm:linClrLst>
+    <dgm:effectClrLst/>
+    <dgm:txLinClrLst/>
+    <dgm:txFillClrLst meth="repeat">
+      <a:schemeClr val="dk1"/>
+    </dgm:txFillClrLst>
+    <dgm:txEffectClrLst/>
+  </dgm:styleLbl>
+  <dgm:styleLbl name="fgAccFollowNode1">
+    <dgm:fillClrLst meth="repeat">
+      <a:schemeClr val="accent4">
+        <a:alpha val="90000"/>
+        <a:tint val="40000"/>
+      </a:schemeClr>
+    </dgm:fillClrLst>
+    <dgm:linClrLst meth="repeat">
+      <a:schemeClr val="accent4">
+        <a:alpha val="90000"/>
+        <a:tint val="40000"/>
+      </a:schemeClr>
+    </dgm:linClrLst>
+    <dgm:effectClrLst/>
+    <dgm:txLinClrLst/>
+    <dgm:txFillClrLst meth="repeat">
+      <a:schemeClr val="dk1"/>
+    </dgm:txFillClrLst>
+    <dgm:txEffectClrLst/>
+  </dgm:styleLbl>
+  <dgm:styleLbl name="alignAccFollowNode1">
+    <dgm:fillClrLst meth="repeat">
+      <a:schemeClr val="accent4">
+        <a:alpha val="90000"/>
+        <a:tint val="40000"/>
+      </a:schemeClr>
+    </dgm:fillClrLst>
+    <dgm:linClrLst meth="repeat">
+      <a:schemeClr val="accent4">
+        <a:alpha val="90000"/>
+        <a:tint val="40000"/>
+      </a:schemeClr>
+    </dgm:linClrLst>
+    <dgm:effectClrLst/>
+    <dgm:txLinClrLst/>
+    <dgm:txFillClrLst meth="repeat">
+      <a:schemeClr val="dk1"/>
+    </dgm:txFillClrLst>
+    <dgm:txEffectClrLst/>
+  </dgm:styleLbl>
+  <dgm:styleLbl name="bgAccFollowNode1">
+    <dgm:fillClrLst meth="repeat">
+      <a:schemeClr val="accent4">
+        <a:alpha val="90000"/>
+        <a:tint val="40000"/>
+      </a:schemeClr>
+    </dgm:fillClrLst>
+    <dgm:linClrLst meth="repeat">
+      <a:schemeClr val="lt1"/>
+    </dgm:linClrLst>
+    <dgm:effectClrLst/>
+    <dgm:txLinClrLst/>
+    <dgm:txFillClrLst meth="repeat">
+      <a:schemeClr val="dk1"/>
+    </dgm:txFillClrLst>
+    <dgm:txEffectClrLst/>
+  </dgm:styleLbl>
+  <dgm:styleLbl name="fgAcc0">
+    <dgm:fillClrLst meth="repeat">
+      <a:schemeClr val="lt1">
+        <a:alpha val="90000"/>
+      </a:schemeClr>
+    </dgm:fillClrLst>
+    <dgm:linClrLst meth="repeat">
+      <a:schemeClr val="accent4">
+        <a:shade val="80000"/>
+      </a:schemeClr>
+    </dgm:linClrLst>
+    <dgm:effectClrLst/>
+    <dgm:txLinClrLst/>
+    <dgm:txFillClrLst meth="repeat">
+      <a:schemeClr val="dk1"/>
+    </dgm:txFillClrLst>
+    <dgm:txEffectClrLst/>
+  </dgm:styleLbl>
+  <dgm:styleLbl name="fgAcc2">
+    <dgm:fillClrLst meth="repeat">
+      <a:schemeClr val="lt1">
+        <a:alpha val="90000"/>
+      </a:schemeClr>
+    </dgm:fillClrLst>
+    <dgm:linClrLst meth="repeat">
+      <a:schemeClr val="accent4">
+        <a:tint val="99000"/>
+      </a:schemeClr>
+    </dgm:linClrLst>
+    <dgm:effectClrLst/>
+    <dgm:txLinClrLst/>
+    <dgm:txFillClrLst meth="repeat">
+      <a:schemeClr val="dk1"/>
+    </dgm:txFillClrLst>
+    <dgm:txEffectClrLst/>
+  </dgm:styleLbl>
+  <dgm:styleLbl name="fgAcc3">
+    <dgm:fillClrLst meth="repeat">
+      <a:schemeClr val="lt1">
+        <a:alpha val="90000"/>
+      </a:schemeClr>
+    </dgm:fillClrLst>
+    <dgm:linClrLst meth="repeat">
+      <a:schemeClr val="accent4">
+        <a:tint val="80000"/>
+      </a:schemeClr>
+    </dgm:linClrLst>
+    <dgm:effectClrLst/>
+    <dgm:txLinClrLst/>
+    <dgm:txFillClrLst meth="repeat">
+      <a:schemeClr val="dk1"/>
+    </dgm:txFillClrLst>
+    <dgm:txEffectClrLst/>
+  </dgm:styleLbl>
+  <dgm:styleLbl name="fgAcc4">
+    <dgm:fillClrLst meth="repeat">
+      <a:schemeClr val="lt1">
+        <a:alpha val="90000"/>
+      </a:schemeClr>
+    </dgm:fillClrLst>
+    <dgm:linClrLst meth="repeat">
+      <a:schemeClr val="accent4">
+        <a:tint val="70000"/>
       </a:schemeClr>
     </dgm:linClrLst>
     <dgm:effectClrLst/>
@@ -2170,6 +3044,252 @@
     <dgm:cxn modelId="{74CB3F0E-9D8F-4F40-8212-A1491895E5A9}" type="presParOf" srcId="{DCE56421-2E12-4CD5-A728-174A39C37314}" destId="{169003BB-6AFA-4927-9E23-306609A65A1E}" srcOrd="2" destOrd="0" presId="urn:microsoft.com/office/officeart/2005/8/layout/matrix3"/>
     <dgm:cxn modelId="{1AB9CB5A-4AC3-4338-9852-9EE68B925AB6}" type="presParOf" srcId="{DCE56421-2E12-4CD5-A728-174A39C37314}" destId="{19AB509C-2B46-4DED-9C75-35C3A9A5926E}" srcOrd="3" destOrd="0" presId="urn:microsoft.com/office/officeart/2005/8/layout/matrix3"/>
     <dgm:cxn modelId="{5102B35F-4908-4B8F-9573-4AEEC1839201}" type="presParOf" srcId="{DCE56421-2E12-4CD5-A728-174A39C37314}" destId="{BBCF4FEB-AED7-4CC9-9579-22B4F44CCF47}" srcOrd="4" destOrd="0" presId="urn:microsoft.com/office/officeart/2005/8/layout/matrix3"/>
+  </dgm:cxnLst>
+  <dgm:bg/>
+  <dgm:whole/>
+  <dgm:extLst>
+    <a:ext uri="http://schemas.microsoft.com/office/drawing/2008/diagram">
+      <dsp:dataModelExt xmlns:dsp="http://schemas.microsoft.com/office/drawing/2008/diagram" relId="rId6" minVer="http://schemas.openxmlformats.org/drawingml/2006/diagram"/>
+    </a:ext>
+  </dgm:extLst>
+</dgm:dataModel>
+</file>
+
+<file path=ppt/diagrams/data3.xml><?xml version="1.0" encoding="utf-8"?>
+<dgm:dataModel xmlns:dgm="http://schemas.openxmlformats.org/drawingml/2006/diagram" xmlns:a="http://schemas.openxmlformats.org/drawingml/2006/main">
+  <dgm:ptLst>
+    <dgm:pt modelId="{D67A7686-B782-478A-9654-529685CFE81E}" type="doc">
+      <dgm:prSet loTypeId="urn:microsoft.com/office/officeart/2018/2/layout/IconCircleList" loCatId="icon" qsTypeId="urn:microsoft.com/office/officeart/2005/8/quickstyle/simple1" qsCatId="simple" csTypeId="urn:microsoft.com/office/officeart/2005/8/colors/accent4_3" csCatId="accent4" phldr="1"/>
+      <dgm:spPr/>
+      <dgm:t>
+        <a:bodyPr/>
+        <a:lstStyle/>
+        <a:p>
+          <a:endParaRPr lang="en-US"/>
+        </a:p>
+      </dgm:t>
+    </dgm:pt>
+    <dgm:pt modelId="{DE93CB84-4DE4-42CD-8C63-87C07CD0BD04}">
+      <dgm:prSet/>
+      <dgm:spPr/>
+      <dgm:t>
+        <a:bodyPr/>
+        <a:lstStyle/>
+        <a:p>
+          <a:pPr>
+            <a:lnSpc>
+              <a:spcPct val="100000"/>
+            </a:lnSpc>
+          </a:pPr>
+          <a:r>
+            <a:rPr lang="en-US"/>
+            <a:t>Login</a:t>
+          </a:r>
+        </a:p>
+      </dgm:t>
+    </dgm:pt>
+    <dgm:pt modelId="{BB1C3EC1-619C-414D-B8C8-0DF4DCB530BD}" type="parTrans" cxnId="{AD9E7470-4517-4707-970E-720E19B9A3CC}">
+      <dgm:prSet/>
+      <dgm:spPr/>
+      <dgm:t>
+        <a:bodyPr/>
+        <a:lstStyle/>
+        <a:p>
+          <a:endParaRPr lang="en-US"/>
+        </a:p>
+      </dgm:t>
+    </dgm:pt>
+    <dgm:pt modelId="{EA5B9E84-BB7F-4950-A0F9-52E653BBA654}" type="sibTrans" cxnId="{AD9E7470-4517-4707-970E-720E19B9A3CC}">
+      <dgm:prSet/>
+      <dgm:spPr/>
+      <dgm:t>
+        <a:bodyPr/>
+        <a:lstStyle/>
+        <a:p>
+          <a:pPr>
+            <a:lnSpc>
+              <a:spcPct val="100000"/>
+            </a:lnSpc>
+          </a:pPr>
+          <a:endParaRPr lang="en-US"/>
+        </a:p>
+      </dgm:t>
+    </dgm:pt>
+    <dgm:pt modelId="{CC931923-F3FB-4FDB-A203-3C94F4DDF5F8}">
+      <dgm:prSet/>
+      <dgm:spPr/>
+      <dgm:t>
+        <a:bodyPr/>
+        <a:lstStyle/>
+        <a:p>
+          <a:pPr>
+            <a:lnSpc>
+              <a:spcPct val="100000"/>
+            </a:lnSpc>
+          </a:pPr>
+          <a:r>
+            <a:rPr lang="en-US"/>
+            <a:t>Item Quantities</a:t>
+          </a:r>
+        </a:p>
+      </dgm:t>
+    </dgm:pt>
+    <dgm:pt modelId="{B182C2CB-E026-4375-9428-661820CC9DFB}" type="parTrans" cxnId="{B9AC3F79-85BD-4B50-AA76-474B502B962C}">
+      <dgm:prSet/>
+      <dgm:spPr/>
+      <dgm:t>
+        <a:bodyPr/>
+        <a:lstStyle/>
+        <a:p>
+          <a:endParaRPr lang="en-US"/>
+        </a:p>
+      </dgm:t>
+    </dgm:pt>
+    <dgm:pt modelId="{F7B06AE4-AD42-4C84-A1AE-003DE9B2E36A}" type="sibTrans" cxnId="{B9AC3F79-85BD-4B50-AA76-474B502B962C}">
+      <dgm:prSet/>
+      <dgm:spPr/>
+      <dgm:t>
+        <a:bodyPr/>
+        <a:lstStyle/>
+        <a:p>
+          <a:endParaRPr lang="en-US"/>
+        </a:p>
+      </dgm:t>
+    </dgm:pt>
+    <dgm:pt modelId="{E738A389-1873-455F-A471-30ED8E1596A6}" type="pres">
+      <dgm:prSet presAssocID="{D67A7686-B782-478A-9654-529685CFE81E}" presName="root" presStyleCnt="0">
+        <dgm:presLayoutVars>
+          <dgm:dir/>
+          <dgm:resizeHandles val="exact"/>
+        </dgm:presLayoutVars>
+      </dgm:prSet>
+      <dgm:spPr/>
+    </dgm:pt>
+    <dgm:pt modelId="{D38AD431-36F0-4C6B-ADB5-869C665D83D5}" type="pres">
+      <dgm:prSet presAssocID="{D67A7686-B782-478A-9654-529685CFE81E}" presName="container" presStyleCnt="0">
+        <dgm:presLayoutVars>
+          <dgm:dir/>
+          <dgm:resizeHandles val="exact"/>
+        </dgm:presLayoutVars>
+      </dgm:prSet>
+      <dgm:spPr/>
+    </dgm:pt>
+    <dgm:pt modelId="{846B37EA-A3E4-41E2-B7B5-6FB82FF77C8B}" type="pres">
+      <dgm:prSet presAssocID="{DE93CB84-4DE4-42CD-8C63-87C07CD0BD04}" presName="compNode" presStyleCnt="0"/>
+      <dgm:spPr/>
+    </dgm:pt>
+    <dgm:pt modelId="{0643B52A-E576-4E0B-90AD-B9876D0CA4BD}" type="pres">
+      <dgm:prSet presAssocID="{DE93CB84-4DE4-42CD-8C63-87C07CD0BD04}" presName="iconBgRect" presStyleLbl="bgShp" presStyleIdx="0" presStyleCnt="2"/>
+      <dgm:spPr/>
+    </dgm:pt>
+    <dgm:pt modelId="{CF859047-8833-4BB1-9F59-2144E27C095F}" type="pres">
+      <dgm:prSet presAssocID="{DE93CB84-4DE4-42CD-8C63-87C07CD0BD04}" presName="iconRect" presStyleLbl="node1" presStyleIdx="0" presStyleCnt="2"/>
+      <dgm:spPr>
+        <a:blipFill>
+          <a:blip xmlns:r="http://schemas.openxmlformats.org/officeDocument/2006/relationships" r:embed="rId1">
+            <a:extLst>
+              <a:ext uri="{28A0092B-C50C-407E-A947-70E740481C1C}">
+                <a14:useLocalDpi xmlns:a14="http://schemas.microsoft.com/office/drawing/2010/main" val="0"/>
+              </a:ext>
+              <a:ext uri="{96DAC541-7B7A-43D3-8B79-37D633B846F1}">
+                <asvg:svgBlip xmlns:asvg="http://schemas.microsoft.com/office/drawing/2016/SVG/main" r:embed="rId2"/>
+              </a:ext>
+            </a:extLst>
+          </a:blip>
+          <a:stretch>
+            <a:fillRect/>
+          </a:stretch>
+        </a:blipFill>
+      </dgm:spPr>
+      <dgm:extLst>
+        <a:ext uri="{E40237B7-FDA0-4F09-8148-C483321AD2D9}">
+          <dgm14:cNvPr xmlns:dgm14="http://schemas.microsoft.com/office/drawing/2010/diagram" id="0" name="" descr="User"/>
+        </a:ext>
+      </dgm:extLst>
+    </dgm:pt>
+    <dgm:pt modelId="{FEEB13FF-835E-4EB4-BE89-BEFABF5E8407}" type="pres">
+      <dgm:prSet presAssocID="{DE93CB84-4DE4-42CD-8C63-87C07CD0BD04}" presName="spaceRect" presStyleCnt="0"/>
+      <dgm:spPr/>
+    </dgm:pt>
+    <dgm:pt modelId="{70081F24-8A64-4522-BFD1-71AA29679E2A}" type="pres">
+      <dgm:prSet presAssocID="{DE93CB84-4DE4-42CD-8C63-87C07CD0BD04}" presName="textRect" presStyleLbl="revTx" presStyleIdx="0" presStyleCnt="2">
+        <dgm:presLayoutVars>
+          <dgm:chMax val="1"/>
+          <dgm:chPref val="1"/>
+        </dgm:presLayoutVars>
+      </dgm:prSet>
+      <dgm:spPr/>
+    </dgm:pt>
+    <dgm:pt modelId="{3E61C1FA-6A2F-4744-9CAE-97A80BE46DDB}" type="pres">
+      <dgm:prSet presAssocID="{EA5B9E84-BB7F-4950-A0F9-52E653BBA654}" presName="sibTrans" presStyleLbl="sibTrans2D1" presStyleIdx="0" presStyleCnt="0"/>
+      <dgm:spPr/>
+    </dgm:pt>
+    <dgm:pt modelId="{6D5E0B07-1F87-4F9A-852E-7E1DE8DE919A}" type="pres">
+      <dgm:prSet presAssocID="{CC931923-F3FB-4FDB-A203-3C94F4DDF5F8}" presName="compNode" presStyleCnt="0"/>
+      <dgm:spPr/>
+    </dgm:pt>
+    <dgm:pt modelId="{4F55400E-0C1D-4FF0-914B-77A279AF9208}" type="pres">
+      <dgm:prSet presAssocID="{CC931923-F3FB-4FDB-A203-3C94F4DDF5F8}" presName="iconBgRect" presStyleLbl="bgShp" presStyleIdx="1" presStyleCnt="2"/>
+      <dgm:spPr/>
+    </dgm:pt>
+    <dgm:pt modelId="{F07218F7-5745-41FF-A236-A2183CD44D5B}" type="pres">
+      <dgm:prSet presAssocID="{CC931923-F3FB-4FDB-A203-3C94F4DDF5F8}" presName="iconRect" presStyleLbl="node1" presStyleIdx="1" presStyleCnt="2"/>
+      <dgm:spPr>
+        <a:blipFill>
+          <a:blip xmlns:r="http://schemas.openxmlformats.org/officeDocument/2006/relationships" r:embed="rId3">
+            <a:extLst>
+              <a:ext uri="{28A0092B-C50C-407E-A947-70E740481C1C}">
+                <a14:useLocalDpi xmlns:a14="http://schemas.microsoft.com/office/drawing/2010/main" val="0"/>
+              </a:ext>
+              <a:ext uri="{96DAC541-7B7A-43D3-8B79-37D633B846F1}">
+                <asvg:svgBlip xmlns:asvg="http://schemas.microsoft.com/office/drawing/2016/SVG/main" r:embed="rId4"/>
+              </a:ext>
+            </a:extLst>
+          </a:blip>
+          <a:stretch>
+            <a:fillRect/>
+          </a:stretch>
+        </a:blipFill>
+      </dgm:spPr>
+      <dgm:extLst>
+        <a:ext uri="{E40237B7-FDA0-4F09-8148-C483321AD2D9}">
+          <dgm14:cNvPr xmlns:dgm14="http://schemas.microsoft.com/office/drawing/2010/diagram" id="0" name="" descr="Checkmark"/>
+        </a:ext>
+      </dgm:extLst>
+    </dgm:pt>
+    <dgm:pt modelId="{2AE93441-E9C4-45E4-B2C1-86A46B2815F4}" type="pres">
+      <dgm:prSet presAssocID="{CC931923-F3FB-4FDB-A203-3C94F4DDF5F8}" presName="spaceRect" presStyleCnt="0"/>
+      <dgm:spPr/>
+    </dgm:pt>
+    <dgm:pt modelId="{FE0FBB7F-AD9C-4625-9588-1474F1D8142B}" type="pres">
+      <dgm:prSet presAssocID="{CC931923-F3FB-4FDB-A203-3C94F4DDF5F8}" presName="textRect" presStyleLbl="revTx" presStyleIdx="1" presStyleCnt="2">
+        <dgm:presLayoutVars>
+          <dgm:chMax val="1"/>
+          <dgm:chPref val="1"/>
+        </dgm:presLayoutVars>
+      </dgm:prSet>
+      <dgm:spPr/>
+    </dgm:pt>
+  </dgm:ptLst>
+  <dgm:cxnLst>
+    <dgm:cxn modelId="{6B3DAC01-B1D0-4419-9F25-659106E0697E}" type="presOf" srcId="{CC931923-F3FB-4FDB-A203-3C94F4DDF5F8}" destId="{FE0FBB7F-AD9C-4625-9588-1474F1D8142B}" srcOrd="0" destOrd="0" presId="urn:microsoft.com/office/officeart/2018/2/layout/IconCircleList"/>
+    <dgm:cxn modelId="{4153E00E-ED36-4F70-805D-23167576EB80}" type="presOf" srcId="{DE93CB84-4DE4-42CD-8C63-87C07CD0BD04}" destId="{70081F24-8A64-4522-BFD1-71AA29679E2A}" srcOrd="0" destOrd="0" presId="urn:microsoft.com/office/officeart/2018/2/layout/IconCircleList"/>
+    <dgm:cxn modelId="{732EAD1F-FF84-4C3F-934F-3DA81DE77DB1}" type="presOf" srcId="{EA5B9E84-BB7F-4950-A0F9-52E653BBA654}" destId="{3E61C1FA-6A2F-4744-9CAE-97A80BE46DDB}" srcOrd="0" destOrd="0" presId="urn:microsoft.com/office/officeart/2018/2/layout/IconCircleList"/>
+    <dgm:cxn modelId="{7C6AFA36-938D-45A6-90E2-B1A6E9E5C818}" type="presOf" srcId="{D67A7686-B782-478A-9654-529685CFE81E}" destId="{E738A389-1873-455F-A471-30ED8E1596A6}" srcOrd="0" destOrd="0" presId="urn:microsoft.com/office/officeart/2018/2/layout/IconCircleList"/>
+    <dgm:cxn modelId="{AD9E7470-4517-4707-970E-720E19B9A3CC}" srcId="{D67A7686-B782-478A-9654-529685CFE81E}" destId="{DE93CB84-4DE4-42CD-8C63-87C07CD0BD04}" srcOrd="0" destOrd="0" parTransId="{BB1C3EC1-619C-414D-B8C8-0DF4DCB530BD}" sibTransId="{EA5B9E84-BB7F-4950-A0F9-52E653BBA654}"/>
+    <dgm:cxn modelId="{B9AC3F79-85BD-4B50-AA76-474B502B962C}" srcId="{D67A7686-B782-478A-9654-529685CFE81E}" destId="{CC931923-F3FB-4FDB-A203-3C94F4DDF5F8}" srcOrd="1" destOrd="0" parTransId="{B182C2CB-E026-4375-9428-661820CC9DFB}" sibTransId="{F7B06AE4-AD42-4C84-A1AE-003DE9B2E36A}"/>
+    <dgm:cxn modelId="{207D68AB-0725-4BA0-9480-27ED0C3ED2DA}" type="presParOf" srcId="{E738A389-1873-455F-A471-30ED8E1596A6}" destId="{D38AD431-36F0-4C6B-ADB5-869C665D83D5}" srcOrd="0" destOrd="0" presId="urn:microsoft.com/office/officeart/2018/2/layout/IconCircleList"/>
+    <dgm:cxn modelId="{4C42EE2B-8E4E-4792-97E4-0E1B1FE40E79}" type="presParOf" srcId="{D38AD431-36F0-4C6B-ADB5-869C665D83D5}" destId="{846B37EA-A3E4-41E2-B7B5-6FB82FF77C8B}" srcOrd="0" destOrd="0" presId="urn:microsoft.com/office/officeart/2018/2/layout/IconCircleList"/>
+    <dgm:cxn modelId="{3051BA5E-3908-4B7A-8C81-09A7F947E0E2}" type="presParOf" srcId="{846B37EA-A3E4-41E2-B7B5-6FB82FF77C8B}" destId="{0643B52A-E576-4E0B-90AD-B9876D0CA4BD}" srcOrd="0" destOrd="0" presId="urn:microsoft.com/office/officeart/2018/2/layout/IconCircleList"/>
+    <dgm:cxn modelId="{AAC46DD3-8969-409B-BE5D-D48D41218D82}" type="presParOf" srcId="{846B37EA-A3E4-41E2-B7B5-6FB82FF77C8B}" destId="{CF859047-8833-4BB1-9F59-2144E27C095F}" srcOrd="1" destOrd="0" presId="urn:microsoft.com/office/officeart/2018/2/layout/IconCircleList"/>
+    <dgm:cxn modelId="{E4122A89-63F2-4A97-B43F-90D13C3145AD}" type="presParOf" srcId="{846B37EA-A3E4-41E2-B7B5-6FB82FF77C8B}" destId="{FEEB13FF-835E-4EB4-BE89-BEFABF5E8407}" srcOrd="2" destOrd="0" presId="urn:microsoft.com/office/officeart/2018/2/layout/IconCircleList"/>
+    <dgm:cxn modelId="{3E4950E1-BF96-49E0-8945-D6A753FFE2DD}" type="presParOf" srcId="{846B37EA-A3E4-41E2-B7B5-6FB82FF77C8B}" destId="{70081F24-8A64-4522-BFD1-71AA29679E2A}" srcOrd="3" destOrd="0" presId="urn:microsoft.com/office/officeart/2018/2/layout/IconCircleList"/>
+    <dgm:cxn modelId="{C3E28EA4-CC57-4820-860C-6AA75AE94BA7}" type="presParOf" srcId="{D38AD431-36F0-4C6B-ADB5-869C665D83D5}" destId="{3E61C1FA-6A2F-4744-9CAE-97A80BE46DDB}" srcOrd="1" destOrd="0" presId="urn:microsoft.com/office/officeart/2018/2/layout/IconCircleList"/>
+    <dgm:cxn modelId="{FBAEEC5E-C57A-4461-8BB3-4343BBAFE5ED}" type="presParOf" srcId="{D38AD431-36F0-4C6B-ADB5-869C665D83D5}" destId="{6D5E0B07-1F87-4F9A-852E-7E1DE8DE919A}" srcOrd="2" destOrd="0" presId="urn:microsoft.com/office/officeart/2018/2/layout/IconCircleList"/>
+    <dgm:cxn modelId="{8AAAF267-364E-44A9-B272-46F22BED503A}" type="presParOf" srcId="{6D5E0B07-1F87-4F9A-852E-7E1DE8DE919A}" destId="{4F55400E-0C1D-4FF0-914B-77A279AF9208}" srcOrd="0" destOrd="0" presId="urn:microsoft.com/office/officeart/2018/2/layout/IconCircleList"/>
+    <dgm:cxn modelId="{5B85EE21-CB68-4089-AFDB-F6F940DDFF89}" type="presParOf" srcId="{6D5E0B07-1F87-4F9A-852E-7E1DE8DE919A}" destId="{F07218F7-5745-41FF-A236-A2183CD44D5B}" srcOrd="1" destOrd="0" presId="urn:microsoft.com/office/officeart/2018/2/layout/IconCircleList"/>
+    <dgm:cxn modelId="{A2575BDE-81A9-470C-AD1D-28A05E339158}" type="presParOf" srcId="{6D5E0B07-1F87-4F9A-852E-7E1DE8DE919A}" destId="{2AE93441-E9C4-45E4-B2C1-86A46B2815F4}" srcOrd="2" destOrd="0" presId="urn:microsoft.com/office/officeart/2018/2/layout/IconCircleList"/>
+    <dgm:cxn modelId="{292C416A-0CE5-4A6F-B148-CFAB74687659}" type="presParOf" srcId="{6D5E0B07-1F87-4F9A-852E-7E1DE8DE919A}" destId="{FE0FBB7F-AD9C-4625-9588-1474F1D8142B}" srcOrd="3" destOrd="0" presId="urn:microsoft.com/office/officeart/2018/2/layout/IconCircleList"/>
   </dgm:cxnLst>
   <dgm:bg/>
   <dgm:whole/>
@@ -2817,6 +3937,332 @@
       <dsp:txXfrm>
         <a:off x="3382948" y="3075766"/>
         <a:ext cx="2026885" cy="2026885"/>
+      </dsp:txXfrm>
+    </dsp:sp>
+  </dsp:spTree>
+</dsp:drawing>
+</file>
+
+<file path=ppt/diagrams/drawing3.xml><?xml version="1.0" encoding="utf-8"?>
+<dsp:drawing xmlns:dgm="http://schemas.openxmlformats.org/drawingml/2006/diagram" xmlns:dsp="http://schemas.microsoft.com/office/drawing/2008/diagram" xmlns:a="http://schemas.openxmlformats.org/drawingml/2006/main">
+  <dsp:spTree>
+    <dsp:nvGrpSpPr>
+      <dsp:cNvPr id="0" name=""/>
+      <dsp:cNvGrpSpPr/>
+    </dsp:nvGrpSpPr>
+    <dsp:grpSpPr/>
+    <dsp:sp modelId="{0643B52A-E576-4E0B-90AD-B9876D0CA4BD}">
+      <dsp:nvSpPr>
+        <dsp:cNvPr id="0" name=""/>
+        <dsp:cNvSpPr/>
+      </dsp:nvSpPr>
+      <dsp:spPr>
+        <a:xfrm>
+          <a:off x="1514339" y="1747265"/>
+          <a:ext cx="936637" cy="936637"/>
+        </a:xfrm>
+        <a:prstGeom prst="ellipse">
+          <a:avLst/>
+        </a:prstGeom>
+        <a:solidFill>
+          <a:schemeClr val="accent4">
+            <a:tint val="40000"/>
+            <a:hueOff val="0"/>
+            <a:satOff val="0"/>
+            <a:lumOff val="0"/>
+            <a:alphaOff val="0"/>
+          </a:schemeClr>
+        </a:solidFill>
+        <a:ln>
+          <a:noFill/>
+        </a:ln>
+        <a:effectLst/>
+      </dsp:spPr>
+      <dsp:style>
+        <a:lnRef idx="0">
+          <a:scrgbClr r="0" g="0" b="0"/>
+        </a:lnRef>
+        <a:fillRef idx="1">
+          <a:scrgbClr r="0" g="0" b="0"/>
+        </a:fillRef>
+        <a:effectRef idx="0">
+          <a:scrgbClr r="0" g="0" b="0"/>
+        </a:effectRef>
+        <a:fontRef idx="minor"/>
+      </dsp:style>
+    </dsp:sp>
+    <dsp:sp modelId="{CF859047-8833-4BB1-9F59-2144E27C095F}">
+      <dsp:nvSpPr>
+        <dsp:cNvPr id="0" name=""/>
+        <dsp:cNvSpPr/>
+      </dsp:nvSpPr>
+      <dsp:spPr>
+        <a:xfrm>
+          <a:off x="1711033" y="1943959"/>
+          <a:ext cx="543249" cy="543249"/>
+        </a:xfrm>
+        <a:prstGeom prst="rect">
+          <a:avLst/>
+        </a:prstGeom>
+        <a:blipFill>
+          <a:blip xmlns:r="http://schemas.openxmlformats.org/officeDocument/2006/relationships" r:embed="rId1">
+            <a:extLst>
+              <a:ext uri="{28A0092B-C50C-407E-A947-70E740481C1C}">
+                <a14:useLocalDpi xmlns:a14="http://schemas.microsoft.com/office/drawing/2010/main" val="0"/>
+              </a:ext>
+              <a:ext uri="{96DAC541-7B7A-43D3-8B79-37D633B846F1}">
+                <asvg:svgBlip xmlns:asvg="http://schemas.microsoft.com/office/drawing/2016/SVG/main" r:embed="rId2"/>
+              </a:ext>
+            </a:extLst>
+          </a:blip>
+          <a:stretch>
+            <a:fillRect/>
+          </a:stretch>
+        </a:blipFill>
+        <a:ln w="12700" cap="flat" cmpd="sng" algn="ctr">
+          <a:solidFill>
+            <a:schemeClr val="lt1">
+              <a:hueOff val="0"/>
+              <a:satOff val="0"/>
+              <a:lumOff val="0"/>
+              <a:alphaOff val="0"/>
+            </a:schemeClr>
+          </a:solidFill>
+          <a:prstDash val="solid"/>
+          <a:miter lim="800000"/>
+        </a:ln>
+        <a:effectLst/>
+      </dsp:spPr>
+      <dsp:style>
+        <a:lnRef idx="2">
+          <a:scrgbClr r="0" g="0" b="0"/>
+        </a:lnRef>
+        <a:fillRef idx="1">
+          <a:scrgbClr r="0" g="0" b="0"/>
+        </a:fillRef>
+        <a:effectRef idx="0">
+          <a:scrgbClr r="0" g="0" b="0"/>
+        </a:effectRef>
+        <a:fontRef idx="minor">
+          <a:schemeClr val="lt1"/>
+        </a:fontRef>
+      </dsp:style>
+    </dsp:sp>
+    <dsp:sp modelId="{70081F24-8A64-4522-BFD1-71AA29679E2A}">
+      <dsp:nvSpPr>
+        <dsp:cNvPr id="0" name=""/>
+        <dsp:cNvSpPr/>
+      </dsp:nvSpPr>
+      <dsp:spPr>
+        <a:xfrm>
+          <a:off x="2651685" y="1747265"/>
+          <a:ext cx="2207789" cy="936637"/>
+        </a:xfrm>
+        <a:prstGeom prst="rect">
+          <a:avLst/>
+        </a:prstGeom>
+        <a:noFill/>
+        <a:ln>
+          <a:noFill/>
+        </a:ln>
+        <a:effectLst/>
+      </dsp:spPr>
+      <dsp:style>
+        <a:lnRef idx="0">
+          <a:scrgbClr r="0" g="0" b="0"/>
+        </a:lnRef>
+        <a:fillRef idx="0">
+          <a:scrgbClr r="0" g="0" b="0"/>
+        </a:fillRef>
+        <a:effectRef idx="0">
+          <a:scrgbClr r="0" g="0" b="0"/>
+        </a:effectRef>
+        <a:fontRef idx="minor"/>
+      </dsp:style>
+      <dsp:txBody>
+        <a:bodyPr spcFirstLastPara="0" vert="horz" wrap="square" lIns="0" tIns="0" rIns="0" bIns="0" numCol="1" spcCol="1270" anchor="ctr" anchorCtr="0">
+          <a:noAutofit/>
+        </a:bodyPr>
+        <a:lstStyle/>
+        <a:p>
+          <a:pPr marL="0" lvl="0" indent="0" algn="l" defTabSz="1066800">
+            <a:lnSpc>
+              <a:spcPct val="100000"/>
+            </a:lnSpc>
+            <a:spcBef>
+              <a:spcPct val="0"/>
+            </a:spcBef>
+            <a:spcAft>
+              <a:spcPct val="35000"/>
+            </a:spcAft>
+            <a:buNone/>
+          </a:pPr>
+          <a:r>
+            <a:rPr lang="en-US" sz="2400" kern="1200"/>
+            <a:t>Login</a:t>
+          </a:r>
+        </a:p>
+      </dsp:txBody>
+      <dsp:txXfrm>
+        <a:off x="2651685" y="1747265"/>
+        <a:ext cx="2207789" cy="936637"/>
+      </dsp:txXfrm>
+    </dsp:sp>
+    <dsp:sp modelId="{4F55400E-0C1D-4FF0-914B-77A279AF9208}">
+      <dsp:nvSpPr>
+        <dsp:cNvPr id="0" name=""/>
+        <dsp:cNvSpPr/>
+      </dsp:nvSpPr>
+      <dsp:spPr>
+        <a:xfrm>
+          <a:off x="1514339" y="3075546"/>
+          <a:ext cx="936637" cy="936637"/>
+        </a:xfrm>
+        <a:prstGeom prst="ellipse">
+          <a:avLst/>
+        </a:prstGeom>
+        <a:solidFill>
+          <a:schemeClr val="accent4">
+            <a:tint val="40000"/>
+            <a:hueOff val="0"/>
+            <a:satOff val="0"/>
+            <a:lumOff val="0"/>
+            <a:alphaOff val="0"/>
+          </a:schemeClr>
+        </a:solidFill>
+        <a:ln>
+          <a:noFill/>
+        </a:ln>
+        <a:effectLst/>
+      </dsp:spPr>
+      <dsp:style>
+        <a:lnRef idx="0">
+          <a:scrgbClr r="0" g="0" b="0"/>
+        </a:lnRef>
+        <a:fillRef idx="1">
+          <a:scrgbClr r="0" g="0" b="0"/>
+        </a:fillRef>
+        <a:effectRef idx="0">
+          <a:scrgbClr r="0" g="0" b="0"/>
+        </a:effectRef>
+        <a:fontRef idx="minor"/>
+      </dsp:style>
+    </dsp:sp>
+    <dsp:sp modelId="{F07218F7-5745-41FF-A236-A2183CD44D5B}">
+      <dsp:nvSpPr>
+        <dsp:cNvPr id="0" name=""/>
+        <dsp:cNvSpPr/>
+      </dsp:nvSpPr>
+      <dsp:spPr>
+        <a:xfrm>
+          <a:off x="1711033" y="3272240"/>
+          <a:ext cx="543249" cy="543249"/>
+        </a:xfrm>
+        <a:prstGeom prst="rect">
+          <a:avLst/>
+        </a:prstGeom>
+        <a:blipFill>
+          <a:blip xmlns:r="http://schemas.openxmlformats.org/officeDocument/2006/relationships" r:embed="rId3">
+            <a:extLst>
+              <a:ext uri="{28A0092B-C50C-407E-A947-70E740481C1C}">
+                <a14:useLocalDpi xmlns:a14="http://schemas.microsoft.com/office/drawing/2010/main" val="0"/>
+              </a:ext>
+              <a:ext uri="{96DAC541-7B7A-43D3-8B79-37D633B846F1}">
+                <asvg:svgBlip xmlns:asvg="http://schemas.microsoft.com/office/drawing/2016/SVG/main" r:embed="rId4"/>
+              </a:ext>
+            </a:extLst>
+          </a:blip>
+          <a:stretch>
+            <a:fillRect/>
+          </a:stretch>
+        </a:blipFill>
+        <a:ln w="12700" cap="flat" cmpd="sng" algn="ctr">
+          <a:solidFill>
+            <a:schemeClr val="lt1">
+              <a:hueOff val="0"/>
+              <a:satOff val="0"/>
+              <a:lumOff val="0"/>
+              <a:alphaOff val="0"/>
+            </a:schemeClr>
+          </a:solidFill>
+          <a:prstDash val="solid"/>
+          <a:miter lim="800000"/>
+        </a:ln>
+        <a:effectLst/>
+      </dsp:spPr>
+      <dsp:style>
+        <a:lnRef idx="2">
+          <a:scrgbClr r="0" g="0" b="0"/>
+        </a:lnRef>
+        <a:fillRef idx="1">
+          <a:scrgbClr r="0" g="0" b="0"/>
+        </a:fillRef>
+        <a:effectRef idx="0">
+          <a:scrgbClr r="0" g="0" b="0"/>
+        </a:effectRef>
+        <a:fontRef idx="minor">
+          <a:schemeClr val="lt1"/>
+        </a:fontRef>
+      </dsp:style>
+    </dsp:sp>
+    <dsp:sp modelId="{FE0FBB7F-AD9C-4625-9588-1474F1D8142B}">
+      <dsp:nvSpPr>
+        <dsp:cNvPr id="0" name=""/>
+        <dsp:cNvSpPr/>
+      </dsp:nvSpPr>
+      <dsp:spPr>
+        <a:xfrm>
+          <a:off x="2651685" y="3075546"/>
+          <a:ext cx="2207789" cy="936637"/>
+        </a:xfrm>
+        <a:prstGeom prst="rect">
+          <a:avLst/>
+        </a:prstGeom>
+        <a:noFill/>
+        <a:ln>
+          <a:noFill/>
+        </a:ln>
+        <a:effectLst/>
+      </dsp:spPr>
+      <dsp:style>
+        <a:lnRef idx="0">
+          <a:scrgbClr r="0" g="0" b="0"/>
+        </a:lnRef>
+        <a:fillRef idx="0">
+          <a:scrgbClr r="0" g="0" b="0"/>
+        </a:fillRef>
+        <a:effectRef idx="0">
+          <a:scrgbClr r="0" g="0" b="0"/>
+        </a:effectRef>
+        <a:fontRef idx="minor"/>
+      </dsp:style>
+      <dsp:txBody>
+        <a:bodyPr spcFirstLastPara="0" vert="horz" wrap="square" lIns="0" tIns="0" rIns="0" bIns="0" numCol="1" spcCol="1270" anchor="ctr" anchorCtr="0">
+          <a:noAutofit/>
+        </a:bodyPr>
+        <a:lstStyle/>
+        <a:p>
+          <a:pPr marL="0" lvl="0" indent="0" algn="l" defTabSz="1066800">
+            <a:lnSpc>
+              <a:spcPct val="100000"/>
+            </a:lnSpc>
+            <a:spcBef>
+              <a:spcPct val="0"/>
+            </a:spcBef>
+            <a:spcAft>
+              <a:spcPct val="35000"/>
+            </a:spcAft>
+            <a:buNone/>
+          </a:pPr>
+          <a:r>
+            <a:rPr lang="en-US" sz="2400" kern="1200"/>
+            <a:t>Item Quantities</a:t>
+          </a:r>
+        </a:p>
+      </dsp:txBody>
+      <dsp:txXfrm>
+        <a:off x="2651685" y="3075546"/>
+        <a:ext cx="2207789" cy="936637"/>
       </dsp:txXfrm>
     </dsp:sp>
   </dsp:spTree>
@@ -3605,6 +5051,218 @@
 </dgm:layoutDef>
 </file>
 
+<file path=ppt/diagrams/layout3.xml><?xml version="1.0" encoding="utf-8"?>
+<dgm:layoutDef xmlns:dgm="http://schemas.openxmlformats.org/drawingml/2006/diagram" xmlns:a="http://schemas.openxmlformats.org/drawingml/2006/main" uniqueId="urn:microsoft.com/office/officeart/2018/2/layout/IconCircleList">
+  <dgm:title val="Icon Circle List"/>
+  <dgm:desc val="Use to show non-sequential or grouped chunks of information accompanied by related visuals. Circular shapes can hold an icon or small picture and corresponding text box shows Level 1 text. Works best for icons or small pictures with medium-length descriptions."/>
+  <dgm:catLst>
+    <dgm:cat type="icon" pri="500"/>
+  </dgm:catLst>
+  <dgm:sampData useDef="1">
+    <dgm:dataModel>
+      <dgm:ptLst/>
+      <dgm:bg/>
+      <dgm:whole/>
+    </dgm:dataModel>
+  </dgm:sampData>
+  <dgm:styleData useDef="1">
+    <dgm:dataModel>
+      <dgm:ptLst/>
+      <dgm:bg/>
+      <dgm:whole/>
+    </dgm:dataModel>
+  </dgm:styleData>
+  <dgm:clrData useDef="1">
+    <dgm:dataModel>
+      <dgm:ptLst/>
+      <dgm:bg/>
+      <dgm:whole/>
+    </dgm:dataModel>
+  </dgm:clrData>
+  <dgm:layoutNode name="root">
+    <dgm:varLst>
+      <dgm:dir/>
+      <dgm:resizeHandles val="exact"/>
+    </dgm:varLst>
+    <dgm:alg type="sp"/>
+    <dgm:shape xmlns:r="http://schemas.openxmlformats.org/officeDocument/2006/relationships" r:blip="">
+      <dgm:adjLst/>
+    </dgm:shape>
+    <dgm:presOf/>
+    <dgm:choose name="Name0">
+      <dgm:if name="Name1" axis="ch" ptType="node" func="cnt" op="lte" val="3">
+        <dgm:constrLst>
+          <dgm:constr type="w" for="ch" forName="container" refType="w"/>
+          <dgm:constr type="h" for="ch" forName="container" refType="h" fact="0.4"/>
+        </dgm:constrLst>
+      </dgm:if>
+      <dgm:else name="Name2">
+        <dgm:constrLst>
+          <dgm:constr type="w" for="ch" forName="container" refType="w"/>
+          <dgm:constr type="h" for="ch" forName="container" refType="h"/>
+        </dgm:constrLst>
+      </dgm:else>
+    </dgm:choose>
+    <dgm:ruleLst>
+      <dgm:rule type="h" for="ch" forName="container" val="INF" fact="NaN" max="NaN"/>
+    </dgm:ruleLst>
+    <dgm:layoutNode name="container">
+      <dgm:varLst>
+        <dgm:dir/>
+        <dgm:resizeHandles val="exact"/>
+      </dgm:varLst>
+      <dgm:choose name="Name3">
+        <dgm:if name="Name4" axis="self" func="var" arg="dir" op="equ" val="norm">
+          <dgm:alg type="snake">
+            <dgm:param type="grDir" val="tL"/>
+            <dgm:param type="flowDir" val="row"/>
+            <dgm:param type="contDir" val="sameDir"/>
+          </dgm:alg>
+        </dgm:if>
+        <dgm:else name="Name5">
+          <dgm:alg type="snake">
+            <dgm:param type="grDir" val="tR"/>
+            <dgm:param type="flowDir" val="row"/>
+            <dgm:param type="contDir" val="sameDir"/>
+          </dgm:alg>
+        </dgm:else>
+      </dgm:choose>
+      <dgm:shape xmlns:r="http://schemas.openxmlformats.org/officeDocument/2006/relationships" r:blip="">
+        <dgm:adjLst/>
+      </dgm:shape>
+      <dgm:presOf/>
+      <dgm:constrLst>
+        <dgm:constr type="w" for="ch" forName="compNode" refType="w"/>
+        <dgm:constr type="h" for="ch" forName="compNode" refType="w" fact="0.28"/>
+        <dgm:constr type="w" for="ch" forName="sibTrans" refType="w" refFor="ch" refForName="compNode" fact="0.115"/>
+        <dgm:constr type="sp" refType="h" op="equ" fact="0.17"/>
+        <dgm:constr type="primFontSz" for="des" ptType="node" op="equ" val="24"/>
+        <dgm:constr type="h" for="des" forName="compNode" op="equ"/>
+        <dgm:constr type="h" for="des" forName="iconBgRect" op="equ"/>
+      </dgm:constrLst>
+      <dgm:ruleLst>
+        <dgm:rule type="w" for="ch" forName="compNode" val="60" fact="NaN" max="NaN"/>
+      </dgm:ruleLst>
+      <dgm:forEach name="Name6" axis="ch" ptType="node">
+        <dgm:layoutNode name="compNode">
+          <dgm:alg type="composite"/>
+          <dgm:shape xmlns:r="http://schemas.openxmlformats.org/officeDocument/2006/relationships" r:blip="">
+            <dgm:adjLst/>
+          </dgm:shape>
+          <dgm:presOf axis="self"/>
+          <dgm:constrLst>
+            <dgm:constr type="w" for="ch" forName="iconBgRect" refType="w" fact="0.28"/>
+            <dgm:constr type="h" for="ch" forName="iconBgRect" refType="w" refFor="ch" refForName="iconBgRect"/>
+            <dgm:constr type="t" for="ch" forName="iconBgRect"/>
+            <dgm:constr type="l" for="ch" forName="iconBgRect"/>
+            <dgm:constr type="w" for="ch" forName="iconRect" refType="w" refFor="ch" refForName="iconBgRect" fact="0.58"/>
+            <dgm:constr type="h" for="ch" forName="iconRect" refType="w" refFor="ch" refForName="iconRect"/>
+            <dgm:constr type="ctrX" for="ch" forName="iconRect" refType="ctrX" refFor="ch" refForName="iconBgRect"/>
+            <dgm:constr type="ctrY" for="ch" forName="iconRect" refType="ctrY" refFor="ch" refForName="iconBgRect"/>
+            <dgm:constr type="w" for="ch" forName="spaceRect" refType="w" fact="0.06"/>
+            <dgm:constr type="h" for="ch" forName="spaceRect" refType="h" refFor="ch" refForName="iconBgRect"/>
+            <dgm:constr type="t" for="ch" forName="spaceRect" refType="t" refFor="ch" refForName="iconBgRect"/>
+            <dgm:constr type="l" for="ch" forName="spaceRect" refType="r" refFor="ch" refForName="iconBgRect"/>
+            <dgm:constr type="h" for="ch" forName="textRect" refType="h" refFor="ch" refForName="iconBgRect"/>
+            <dgm:constr type="t" for="ch" forName="textRect" refType="t" refFor="ch" refForName="iconBgRect"/>
+            <dgm:constr type="l" for="ch" forName="textRect" refType="r" refFor="ch" refForName="spaceRect"/>
+          </dgm:constrLst>
+          <dgm:ruleLst/>
+          <dgm:layoutNode name="iconBgRect" styleLbl="bgShp">
+            <dgm:alg type="sp"/>
+            <dgm:shape xmlns:r="http://schemas.openxmlformats.org/officeDocument/2006/relationships" type="ellipse" r:blip="">
+              <dgm:adjLst/>
+            </dgm:shape>
+            <dgm:presOf/>
+            <dgm:constrLst/>
+            <dgm:ruleLst/>
+          </dgm:layoutNode>
+          <dgm:layoutNode name="iconRect" styleLbl="node1">
+            <dgm:alg type="sp"/>
+            <dgm:shape xmlns:r="http://schemas.openxmlformats.org/officeDocument/2006/relationships" type="rect" r:blip="" blipPhldr="1">
+              <dgm:adjLst/>
+            </dgm:shape>
+            <dgm:presOf/>
+            <dgm:constrLst/>
+            <dgm:ruleLst/>
+          </dgm:layoutNode>
+          <dgm:layoutNode name="spaceRect">
+            <dgm:alg type="sp"/>
+            <dgm:shape xmlns:r="http://schemas.openxmlformats.org/officeDocument/2006/relationships" r:blip="">
+              <dgm:adjLst/>
+            </dgm:shape>
+            <dgm:presOf/>
+            <dgm:constrLst/>
+            <dgm:ruleLst/>
+          </dgm:layoutNode>
+          <dgm:layoutNode name="textRect" styleLbl="revTx">
+            <dgm:varLst>
+              <dgm:chMax val="1"/>
+              <dgm:chPref val="1"/>
+            </dgm:varLst>
+            <dgm:choose name="Name7">
+              <dgm:if name="Name8" func="var" arg="dir" op="equ" val="norm">
+                <dgm:alg type="tx">
+                  <dgm:param type="txAnchorVert" val="mid"/>
+                  <dgm:param type="parTxLTRAlign" val="l"/>
+                  <dgm:param type="shpTxLTRAlignCh" val="l"/>
+                  <dgm:param type="parTxRTLAlign" val="l"/>
+                  <dgm:param type="shpTxRTLAlignCh" val="l"/>
+                </dgm:alg>
+              </dgm:if>
+              <dgm:else name="Name9">
+                <dgm:alg type="tx">
+                  <dgm:param type="txAnchorVert" val="mid"/>
+                  <dgm:param type="parTxLTRAlign" val="r"/>
+                  <dgm:param type="shpTxLTRAlignCh" val="r"/>
+                  <dgm:param type="parTxRTLAlign" val="r"/>
+                  <dgm:param type="shpTxRTLAlignCh" val="r"/>
+                </dgm:alg>
+              </dgm:else>
+            </dgm:choose>
+            <dgm:shape xmlns:r="http://schemas.openxmlformats.org/officeDocument/2006/relationships" type="rect" r:blip="">
+              <dgm:adjLst/>
+            </dgm:shape>
+            <dgm:presOf axis="self" ptType="node"/>
+            <dgm:constrLst>
+              <dgm:constr type="lMarg"/>
+              <dgm:constr type="rMarg"/>
+              <dgm:constr type="tMarg"/>
+              <dgm:constr type="bMarg"/>
+            </dgm:constrLst>
+            <dgm:ruleLst>
+              <dgm:rule type="primFontSz" val="11" fact="NaN" max="NaN"/>
+            </dgm:ruleLst>
+          </dgm:layoutNode>
+        </dgm:layoutNode>
+        <dgm:forEach name="Name10" axis="followSib" ptType="sibTrans" cnt="1">
+          <dgm:layoutNode name="sibTrans">
+            <dgm:alg type="sp"/>
+            <dgm:shape xmlns:r="http://schemas.openxmlformats.org/officeDocument/2006/relationships" type="rect" r:blip="" hideGeom="1">
+              <dgm:adjLst/>
+            </dgm:shape>
+            <dgm:presOf axis="self"/>
+            <dgm:constrLst/>
+            <dgm:ruleLst/>
+          </dgm:layoutNode>
+        </dgm:forEach>
+      </dgm:forEach>
+    </dgm:layoutNode>
+  </dgm:layoutNode>
+  <dgm:extLst>
+    <a:ext uri="{68A01E43-0DF5-4B5B-8FA6-DAF915123BFB}">
+      <dgm1612:lstStyle xmlns:dgm1612="http://schemas.microsoft.com/office/drawing/2016/12/diagram">
+        <a:lvl1pPr>
+          <a:lnSpc>
+            <a:spcPct val="100000"/>
+          </a:lnSpc>
+        </a:lvl1pPr>
+      </dgm1612:lstStyle>
+    </a:ext>
+  </dgm:extLst>
+</dgm:layoutDef>
+</file>
+
 <file path=ppt/diagrams/quickStyle1.xml><?xml version="1.0" encoding="utf-8"?>
 <dgm:styleDef xmlns:dgm="http://schemas.openxmlformats.org/drawingml/2006/diagram" xmlns:a="http://schemas.openxmlformats.org/drawingml/2006/main" uniqueId="urn:microsoft.com/office/officeart/2005/8/quickstyle/simple1">
   <dgm:title val=""/>
@@ -4640,6 +6298,1040 @@
 </file>
 
 <file path=ppt/diagrams/quickStyle2.xml><?xml version="1.0" encoding="utf-8"?>
+<dgm:styleDef xmlns:dgm="http://schemas.openxmlformats.org/drawingml/2006/diagram" xmlns:a="http://schemas.openxmlformats.org/drawingml/2006/main" uniqueId="urn:microsoft.com/office/officeart/2005/8/quickstyle/simple1">
+  <dgm:title val=""/>
+  <dgm:desc val=""/>
+  <dgm:catLst>
+    <dgm:cat type="simple" pri="10100"/>
+  </dgm:catLst>
+  <dgm:scene3d>
+    <a:camera prst="orthographicFront"/>
+    <a:lightRig rig="threePt" dir="t"/>
+  </dgm:scene3d>
+  <dgm:styleLbl name="node0">
+    <dgm:scene3d>
+      <a:camera prst="orthographicFront"/>
+      <a:lightRig rig="threePt" dir="t"/>
+    </dgm:scene3d>
+    <dgm:sp3d/>
+    <dgm:txPr/>
+    <dgm:style>
+      <a:lnRef idx="2">
+        <a:scrgbClr r="0" g="0" b="0"/>
+      </a:lnRef>
+      <a:fillRef idx="1">
+        <a:scrgbClr r="0" g="0" b="0"/>
+      </a:fillRef>
+      <a:effectRef idx="0">
+        <a:scrgbClr r="0" g="0" b="0"/>
+      </a:effectRef>
+      <a:fontRef idx="minor">
+        <a:schemeClr val="lt1"/>
+      </a:fontRef>
+    </dgm:style>
+  </dgm:styleLbl>
+  <dgm:styleLbl name="lnNode1">
+    <dgm:scene3d>
+      <a:camera prst="orthographicFront"/>
+      <a:lightRig rig="threePt" dir="t"/>
+    </dgm:scene3d>
+    <dgm:sp3d/>
+    <dgm:txPr/>
+    <dgm:style>
+      <a:lnRef idx="2">
+        <a:scrgbClr r="0" g="0" b="0"/>
+      </a:lnRef>
+      <a:fillRef idx="1">
+        <a:scrgbClr r="0" g="0" b="0"/>
+      </a:fillRef>
+      <a:effectRef idx="0">
+        <a:scrgbClr r="0" g="0" b="0"/>
+      </a:effectRef>
+      <a:fontRef idx="minor">
+        <a:schemeClr val="lt1"/>
+      </a:fontRef>
+    </dgm:style>
+  </dgm:styleLbl>
+  <dgm:styleLbl name="vennNode1">
+    <dgm:scene3d>
+      <a:camera prst="orthographicFront"/>
+      <a:lightRig rig="threePt" dir="t"/>
+    </dgm:scene3d>
+    <dgm:sp3d/>
+    <dgm:txPr/>
+    <dgm:style>
+      <a:lnRef idx="2">
+        <a:scrgbClr r="0" g="0" b="0"/>
+      </a:lnRef>
+      <a:fillRef idx="1">
+        <a:scrgbClr r="0" g="0" b="0"/>
+      </a:fillRef>
+      <a:effectRef idx="0">
+        <a:scrgbClr r="0" g="0" b="0"/>
+      </a:effectRef>
+      <a:fontRef idx="minor">
+        <a:schemeClr val="tx1"/>
+      </a:fontRef>
+    </dgm:style>
+  </dgm:styleLbl>
+  <dgm:styleLbl name="alignNode1">
+    <dgm:scene3d>
+      <a:camera prst="orthographicFront"/>
+      <a:lightRig rig="threePt" dir="t"/>
+    </dgm:scene3d>
+    <dgm:sp3d/>
+    <dgm:txPr/>
+    <dgm:style>
+      <a:lnRef idx="2">
+        <a:scrgbClr r="0" g="0" b="0"/>
+      </a:lnRef>
+      <a:fillRef idx="1">
+        <a:scrgbClr r="0" g="0" b="0"/>
+      </a:fillRef>
+      <a:effectRef idx="0">
+        <a:scrgbClr r="0" g="0" b="0"/>
+      </a:effectRef>
+      <a:fontRef idx="minor">
+        <a:schemeClr val="lt1"/>
+      </a:fontRef>
+    </dgm:style>
+  </dgm:styleLbl>
+  <dgm:styleLbl name="node1">
+    <dgm:scene3d>
+      <a:camera prst="orthographicFront"/>
+      <a:lightRig rig="threePt" dir="t"/>
+    </dgm:scene3d>
+    <dgm:sp3d/>
+    <dgm:txPr/>
+    <dgm:style>
+      <a:lnRef idx="2">
+        <a:scrgbClr r="0" g="0" b="0"/>
+      </a:lnRef>
+      <a:fillRef idx="1">
+        <a:scrgbClr r="0" g="0" b="0"/>
+      </a:fillRef>
+      <a:effectRef idx="0">
+        <a:scrgbClr r="0" g="0" b="0"/>
+      </a:effectRef>
+      <a:fontRef idx="minor">
+        <a:schemeClr val="lt1"/>
+      </a:fontRef>
+    </dgm:style>
+  </dgm:styleLbl>
+  <dgm:styleLbl name="node2">
+    <dgm:scene3d>
+      <a:camera prst="orthographicFront"/>
+      <a:lightRig rig="threePt" dir="t"/>
+    </dgm:scene3d>
+    <dgm:sp3d/>
+    <dgm:txPr/>
+    <dgm:style>
+      <a:lnRef idx="2">
+        <a:scrgbClr r="0" g="0" b="0"/>
+      </a:lnRef>
+      <a:fillRef idx="1">
+        <a:scrgbClr r="0" g="0" b="0"/>
+      </a:fillRef>
+      <a:effectRef idx="0">
+        <a:scrgbClr r="0" g="0" b="0"/>
+      </a:effectRef>
+      <a:fontRef idx="minor">
+        <a:schemeClr val="lt1"/>
+      </a:fontRef>
+    </dgm:style>
+  </dgm:styleLbl>
+  <dgm:styleLbl name="node3">
+    <dgm:scene3d>
+      <a:camera prst="orthographicFront"/>
+      <a:lightRig rig="threePt" dir="t"/>
+    </dgm:scene3d>
+    <dgm:sp3d/>
+    <dgm:txPr/>
+    <dgm:style>
+      <a:lnRef idx="2">
+        <a:scrgbClr r="0" g="0" b="0"/>
+      </a:lnRef>
+      <a:fillRef idx="1">
+        <a:scrgbClr r="0" g="0" b="0"/>
+      </a:fillRef>
+      <a:effectRef idx="0">
+        <a:scrgbClr r="0" g="0" b="0"/>
+      </a:effectRef>
+      <a:fontRef idx="minor">
+        <a:schemeClr val="lt1"/>
+      </a:fontRef>
+    </dgm:style>
+  </dgm:styleLbl>
+  <dgm:styleLbl name="node4">
+    <dgm:scene3d>
+      <a:camera prst="orthographicFront"/>
+      <a:lightRig rig="threePt" dir="t"/>
+    </dgm:scene3d>
+    <dgm:sp3d/>
+    <dgm:txPr/>
+    <dgm:style>
+      <a:lnRef idx="2">
+        <a:scrgbClr r="0" g="0" b="0"/>
+      </a:lnRef>
+      <a:fillRef idx="1">
+        <a:scrgbClr r="0" g="0" b="0"/>
+      </a:fillRef>
+      <a:effectRef idx="0">
+        <a:scrgbClr r="0" g="0" b="0"/>
+      </a:effectRef>
+      <a:fontRef idx="minor">
+        <a:schemeClr val="lt1"/>
+      </a:fontRef>
+    </dgm:style>
+  </dgm:styleLbl>
+  <dgm:styleLbl name="fgImgPlace1">
+    <dgm:scene3d>
+      <a:camera prst="orthographicFront"/>
+      <a:lightRig rig="threePt" dir="t"/>
+    </dgm:scene3d>
+    <dgm:sp3d/>
+    <dgm:txPr/>
+    <dgm:style>
+      <a:lnRef idx="2">
+        <a:scrgbClr r="0" g="0" b="0"/>
+      </a:lnRef>
+      <a:fillRef idx="1">
+        <a:scrgbClr r="0" g="0" b="0"/>
+      </a:fillRef>
+      <a:effectRef idx="0">
+        <a:scrgbClr r="0" g="0" b="0"/>
+      </a:effectRef>
+      <a:fontRef idx="minor"/>
+    </dgm:style>
+  </dgm:styleLbl>
+  <dgm:styleLbl name="alignImgPlace1">
+    <dgm:scene3d>
+      <a:camera prst="orthographicFront"/>
+      <a:lightRig rig="threePt" dir="t"/>
+    </dgm:scene3d>
+    <dgm:sp3d/>
+    <dgm:txPr/>
+    <dgm:style>
+      <a:lnRef idx="2">
+        <a:scrgbClr r="0" g="0" b="0"/>
+      </a:lnRef>
+      <a:fillRef idx="1">
+        <a:scrgbClr r="0" g="0" b="0"/>
+      </a:fillRef>
+      <a:effectRef idx="0">
+        <a:scrgbClr r="0" g="0" b="0"/>
+      </a:effectRef>
+      <a:fontRef idx="minor"/>
+    </dgm:style>
+  </dgm:styleLbl>
+  <dgm:styleLbl name="bgImgPlace1">
+    <dgm:scene3d>
+      <a:camera prst="orthographicFront"/>
+      <a:lightRig rig="threePt" dir="t"/>
+    </dgm:scene3d>
+    <dgm:sp3d/>
+    <dgm:txPr/>
+    <dgm:style>
+      <a:lnRef idx="2">
+        <a:scrgbClr r="0" g="0" b="0"/>
+      </a:lnRef>
+      <a:fillRef idx="1">
+        <a:scrgbClr r="0" g="0" b="0"/>
+      </a:fillRef>
+      <a:effectRef idx="0">
+        <a:scrgbClr r="0" g="0" b="0"/>
+      </a:effectRef>
+      <a:fontRef idx="minor"/>
+    </dgm:style>
+  </dgm:styleLbl>
+  <dgm:styleLbl name="sibTrans2D1">
+    <dgm:scene3d>
+      <a:camera prst="orthographicFront"/>
+      <a:lightRig rig="threePt" dir="t"/>
+    </dgm:scene3d>
+    <dgm:sp3d/>
+    <dgm:txPr/>
+    <dgm:style>
+      <a:lnRef idx="0">
+        <a:scrgbClr r="0" g="0" b="0"/>
+      </a:lnRef>
+      <a:fillRef idx="1">
+        <a:scrgbClr r="0" g="0" b="0"/>
+      </a:fillRef>
+      <a:effectRef idx="0">
+        <a:scrgbClr r="0" g="0" b="0"/>
+      </a:effectRef>
+      <a:fontRef idx="minor">
+        <a:schemeClr val="lt1"/>
+      </a:fontRef>
+    </dgm:style>
+  </dgm:styleLbl>
+  <dgm:styleLbl name="fgSibTrans2D1">
+    <dgm:scene3d>
+      <a:camera prst="orthographicFront"/>
+      <a:lightRig rig="threePt" dir="t"/>
+    </dgm:scene3d>
+    <dgm:sp3d/>
+    <dgm:txPr/>
+    <dgm:style>
+      <a:lnRef idx="0">
+        <a:scrgbClr r="0" g="0" b="0"/>
+      </a:lnRef>
+      <a:fillRef idx="1">
+        <a:scrgbClr r="0" g="0" b="0"/>
+      </a:fillRef>
+      <a:effectRef idx="0">
+        <a:scrgbClr r="0" g="0" b="0"/>
+      </a:effectRef>
+      <a:fontRef idx="minor">
+        <a:schemeClr val="lt1"/>
+      </a:fontRef>
+    </dgm:style>
+  </dgm:styleLbl>
+  <dgm:styleLbl name="bgSibTrans2D1">
+    <dgm:scene3d>
+      <a:camera prst="orthographicFront"/>
+      <a:lightRig rig="threePt" dir="t"/>
+    </dgm:scene3d>
+    <dgm:sp3d/>
+    <dgm:txPr/>
+    <dgm:style>
+      <a:lnRef idx="0">
+        <a:scrgbClr r="0" g="0" b="0"/>
+      </a:lnRef>
+      <a:fillRef idx="1">
+        <a:scrgbClr r="0" g="0" b="0"/>
+      </a:fillRef>
+      <a:effectRef idx="0">
+        <a:scrgbClr r="0" g="0" b="0"/>
+      </a:effectRef>
+      <a:fontRef idx="minor">
+        <a:schemeClr val="lt1"/>
+      </a:fontRef>
+    </dgm:style>
+  </dgm:styleLbl>
+  <dgm:styleLbl name="sibTrans1D1">
+    <dgm:scene3d>
+      <a:camera prst="orthographicFront"/>
+      <a:lightRig rig="threePt" dir="t"/>
+    </dgm:scene3d>
+    <dgm:sp3d/>
+    <dgm:txPr/>
+    <dgm:style>
+      <a:lnRef idx="1">
+        <a:scrgbClr r="0" g="0" b="0"/>
+      </a:lnRef>
+      <a:fillRef idx="0">
+        <a:scrgbClr r="0" g="0" b="0"/>
+      </a:fillRef>
+      <a:effectRef idx="0">
+        <a:scrgbClr r="0" g="0" b="0"/>
+      </a:effectRef>
+      <a:fontRef idx="minor"/>
+    </dgm:style>
+  </dgm:styleLbl>
+  <dgm:styleLbl name="callout">
+    <dgm:scene3d>
+      <a:camera prst="orthographicFront"/>
+      <a:lightRig rig="threePt" dir="t"/>
+    </dgm:scene3d>
+    <dgm:sp3d/>
+    <dgm:txPr/>
+    <dgm:style>
+      <a:lnRef idx="2">
+        <a:scrgbClr r="0" g="0" b="0"/>
+      </a:lnRef>
+      <a:fillRef idx="1">
+        <a:scrgbClr r="0" g="0" b="0"/>
+      </a:fillRef>
+      <a:effectRef idx="0">
+        <a:scrgbClr r="0" g="0" b="0"/>
+      </a:effectRef>
+      <a:fontRef idx="minor"/>
+    </dgm:style>
+  </dgm:styleLbl>
+  <dgm:styleLbl name="asst0">
+    <dgm:scene3d>
+      <a:camera prst="orthographicFront"/>
+      <a:lightRig rig="threePt" dir="t"/>
+    </dgm:scene3d>
+    <dgm:sp3d/>
+    <dgm:txPr/>
+    <dgm:style>
+      <a:lnRef idx="2">
+        <a:scrgbClr r="0" g="0" b="0"/>
+      </a:lnRef>
+      <a:fillRef idx="1">
+        <a:scrgbClr r="0" g="0" b="0"/>
+      </a:fillRef>
+      <a:effectRef idx="0">
+        <a:scrgbClr r="0" g="0" b="0"/>
+      </a:effectRef>
+      <a:fontRef idx="minor">
+        <a:schemeClr val="lt1"/>
+      </a:fontRef>
+    </dgm:style>
+  </dgm:styleLbl>
+  <dgm:styleLbl name="asst1">
+    <dgm:scene3d>
+      <a:camera prst="orthographicFront"/>
+      <a:lightRig rig="threePt" dir="t"/>
+    </dgm:scene3d>
+    <dgm:sp3d/>
+    <dgm:txPr/>
+    <dgm:style>
+      <a:lnRef idx="2">
+        <a:scrgbClr r="0" g="0" b="0"/>
+      </a:lnRef>
+      <a:fillRef idx="1">
+        <a:scrgbClr r="0" g="0" b="0"/>
+      </a:fillRef>
+      <a:effectRef idx="0">
+        <a:scrgbClr r="0" g="0" b="0"/>
+      </a:effectRef>
+      <a:fontRef idx="minor">
+        <a:schemeClr val="lt1"/>
+      </a:fontRef>
+    </dgm:style>
+  </dgm:styleLbl>
+  <dgm:styleLbl name="asst2">
+    <dgm:scene3d>
+      <a:camera prst="orthographicFront"/>
+      <a:lightRig rig="threePt" dir="t"/>
+    </dgm:scene3d>
+    <dgm:sp3d/>
+    <dgm:txPr/>
+    <dgm:style>
+      <a:lnRef idx="2">
+        <a:scrgbClr r="0" g="0" b="0"/>
+      </a:lnRef>
+      <a:fillRef idx="1">
+        <a:scrgbClr r="0" g="0" b="0"/>
+      </a:fillRef>
+      <a:effectRef idx="0">
+        <a:scrgbClr r="0" g="0" b="0"/>
+      </a:effectRef>
+      <a:fontRef idx="minor">
+        <a:schemeClr val="lt1"/>
+      </a:fontRef>
+    </dgm:style>
+  </dgm:styleLbl>
+  <dgm:styleLbl name="asst3">
+    <dgm:scene3d>
+      <a:camera prst="orthographicFront"/>
+      <a:lightRig rig="threePt" dir="t"/>
+    </dgm:scene3d>
+    <dgm:sp3d/>
+    <dgm:txPr/>
+    <dgm:style>
+      <a:lnRef idx="2">
+        <a:scrgbClr r="0" g="0" b="0"/>
+      </a:lnRef>
+      <a:fillRef idx="1">
+        <a:scrgbClr r="0" g="0" b="0"/>
+      </a:fillRef>
+      <a:effectRef idx="0">
+        <a:scrgbClr r="0" g="0" b="0"/>
+      </a:effectRef>
+      <a:fontRef idx="minor">
+        <a:schemeClr val="lt1"/>
+      </a:fontRef>
+    </dgm:style>
+  </dgm:styleLbl>
+  <dgm:styleLbl name="asst4">
+    <dgm:scene3d>
+      <a:camera prst="orthographicFront"/>
+      <a:lightRig rig="threePt" dir="t"/>
+    </dgm:scene3d>
+    <dgm:sp3d/>
+    <dgm:txPr/>
+    <dgm:style>
+      <a:lnRef idx="2">
+        <a:scrgbClr r="0" g="0" b="0"/>
+      </a:lnRef>
+      <a:fillRef idx="1">
+        <a:scrgbClr r="0" g="0" b="0"/>
+      </a:fillRef>
+      <a:effectRef idx="0">
+        <a:scrgbClr r="0" g="0" b="0"/>
+      </a:effectRef>
+      <a:fontRef idx="minor">
+        <a:schemeClr val="lt1"/>
+      </a:fontRef>
+    </dgm:style>
+  </dgm:styleLbl>
+  <dgm:styleLbl name="parChTrans2D1">
+    <dgm:scene3d>
+      <a:camera prst="orthographicFront"/>
+      <a:lightRig rig="threePt" dir="t"/>
+    </dgm:scene3d>
+    <dgm:sp3d/>
+    <dgm:txPr/>
+    <dgm:style>
+      <a:lnRef idx="2">
+        <a:scrgbClr r="0" g="0" b="0"/>
+      </a:lnRef>
+      <a:fillRef idx="1">
+        <a:scrgbClr r="0" g="0" b="0"/>
+      </a:fillRef>
+      <a:effectRef idx="0">
+        <a:scrgbClr r="0" g="0" b="0"/>
+      </a:effectRef>
+      <a:fontRef idx="minor">
+        <a:schemeClr val="lt1"/>
+      </a:fontRef>
+    </dgm:style>
+  </dgm:styleLbl>
+  <dgm:styleLbl name="parChTrans2D2">
+    <dgm:scene3d>
+      <a:camera prst="orthographicFront"/>
+      <a:lightRig rig="threePt" dir="t"/>
+    </dgm:scene3d>
+    <dgm:sp3d/>
+    <dgm:txPr/>
+    <dgm:style>
+      <a:lnRef idx="2">
+        <a:scrgbClr r="0" g="0" b="0"/>
+      </a:lnRef>
+      <a:fillRef idx="1">
+        <a:scrgbClr r="0" g="0" b="0"/>
+      </a:fillRef>
+      <a:effectRef idx="0">
+        <a:scrgbClr r="0" g="0" b="0"/>
+      </a:effectRef>
+      <a:fontRef idx="minor">
+        <a:schemeClr val="lt1"/>
+      </a:fontRef>
+    </dgm:style>
+  </dgm:styleLbl>
+  <dgm:styleLbl name="parChTrans2D3">
+    <dgm:scene3d>
+      <a:camera prst="orthographicFront"/>
+      <a:lightRig rig="threePt" dir="t"/>
+    </dgm:scene3d>
+    <dgm:sp3d/>
+    <dgm:txPr/>
+    <dgm:style>
+      <a:lnRef idx="2">
+        <a:scrgbClr r="0" g="0" b="0"/>
+      </a:lnRef>
+      <a:fillRef idx="1">
+        <a:scrgbClr r="0" g="0" b="0"/>
+      </a:fillRef>
+      <a:effectRef idx="0">
+        <a:scrgbClr r="0" g="0" b="0"/>
+      </a:effectRef>
+      <a:fontRef idx="minor">
+        <a:schemeClr val="lt1"/>
+      </a:fontRef>
+    </dgm:style>
+  </dgm:styleLbl>
+  <dgm:styleLbl name="parChTrans2D4">
+    <dgm:scene3d>
+      <a:camera prst="orthographicFront"/>
+      <a:lightRig rig="threePt" dir="t"/>
+    </dgm:scene3d>
+    <dgm:sp3d/>
+    <dgm:txPr/>
+    <dgm:style>
+      <a:lnRef idx="2">
+        <a:scrgbClr r="0" g="0" b="0"/>
+      </a:lnRef>
+      <a:fillRef idx="1">
+        <a:scrgbClr r="0" g="0" b="0"/>
+      </a:fillRef>
+      <a:effectRef idx="0">
+        <a:scrgbClr r="0" g="0" b="0"/>
+      </a:effectRef>
+      <a:fontRef idx="minor">
+        <a:schemeClr val="lt1"/>
+      </a:fontRef>
+    </dgm:style>
+  </dgm:styleLbl>
+  <dgm:styleLbl name="parChTrans1D1">
+    <dgm:scene3d>
+      <a:camera prst="orthographicFront"/>
+      <a:lightRig rig="threePt" dir="t"/>
+    </dgm:scene3d>
+    <dgm:sp3d/>
+    <dgm:txPr/>
+    <dgm:style>
+      <a:lnRef idx="2">
+        <a:scrgbClr r="0" g="0" b="0"/>
+      </a:lnRef>
+      <a:fillRef idx="0">
+        <a:scrgbClr r="0" g="0" b="0"/>
+      </a:fillRef>
+      <a:effectRef idx="0">
+        <a:scrgbClr r="0" g="0" b="0"/>
+      </a:effectRef>
+      <a:fontRef idx="minor"/>
+    </dgm:style>
+  </dgm:styleLbl>
+  <dgm:styleLbl name="parChTrans1D2">
+    <dgm:scene3d>
+      <a:camera prst="orthographicFront"/>
+      <a:lightRig rig="threePt" dir="t"/>
+    </dgm:scene3d>
+    <dgm:sp3d/>
+    <dgm:txPr/>
+    <dgm:style>
+      <a:lnRef idx="2">
+        <a:scrgbClr r="0" g="0" b="0"/>
+      </a:lnRef>
+      <a:fillRef idx="0">
+        <a:scrgbClr r="0" g="0" b="0"/>
+      </a:fillRef>
+      <a:effectRef idx="0">
+        <a:scrgbClr r="0" g="0" b="0"/>
+      </a:effectRef>
+      <a:fontRef idx="minor"/>
+    </dgm:style>
+  </dgm:styleLbl>
+  <dgm:styleLbl name="parChTrans1D3">
+    <dgm:scene3d>
+      <a:camera prst="orthographicFront"/>
+      <a:lightRig rig="threePt" dir="t"/>
+    </dgm:scene3d>
+    <dgm:sp3d/>
+    <dgm:txPr/>
+    <dgm:style>
+      <a:lnRef idx="2">
+        <a:scrgbClr r="0" g="0" b="0"/>
+      </a:lnRef>
+      <a:fillRef idx="0">
+        <a:scrgbClr r="0" g="0" b="0"/>
+      </a:fillRef>
+      <a:effectRef idx="0">
+        <a:scrgbClr r="0" g="0" b="0"/>
+      </a:effectRef>
+      <a:fontRef idx="minor"/>
+    </dgm:style>
+  </dgm:styleLbl>
+  <dgm:styleLbl name="parChTrans1D4">
+    <dgm:scene3d>
+      <a:camera prst="orthographicFront"/>
+      <a:lightRig rig="threePt" dir="t"/>
+    </dgm:scene3d>
+    <dgm:sp3d/>
+    <dgm:txPr/>
+    <dgm:style>
+      <a:lnRef idx="2">
+        <a:scrgbClr r="0" g="0" b="0"/>
+      </a:lnRef>
+      <a:fillRef idx="0">
+        <a:scrgbClr r="0" g="0" b="0"/>
+      </a:fillRef>
+      <a:effectRef idx="0">
+        <a:scrgbClr r="0" g="0" b="0"/>
+      </a:effectRef>
+      <a:fontRef idx="minor"/>
+    </dgm:style>
+  </dgm:styleLbl>
+  <dgm:styleLbl name="fgAcc1">
+    <dgm:scene3d>
+      <a:camera prst="orthographicFront"/>
+      <a:lightRig rig="threePt" dir="t"/>
+    </dgm:scene3d>
+    <dgm:sp3d/>
+    <dgm:txPr/>
+    <dgm:style>
+      <a:lnRef idx="2">
+        <a:scrgbClr r="0" g="0" b="0"/>
+      </a:lnRef>
+      <a:fillRef idx="1">
+        <a:scrgbClr r="0" g="0" b="0"/>
+      </a:fillRef>
+      <a:effectRef idx="0">
+        <a:scrgbClr r="0" g="0" b="0"/>
+      </a:effectRef>
+      <a:fontRef idx="minor"/>
+    </dgm:style>
+  </dgm:styleLbl>
+  <dgm:styleLbl name="conFgAcc1">
+    <dgm:scene3d>
+      <a:camera prst="orthographicFront"/>
+      <a:lightRig rig="threePt" dir="t"/>
+    </dgm:scene3d>
+    <dgm:sp3d/>
+    <dgm:txPr/>
+    <dgm:style>
+      <a:lnRef idx="2">
+        <a:scrgbClr r="0" g="0" b="0"/>
+      </a:lnRef>
+      <a:fillRef idx="1">
+        <a:scrgbClr r="0" g="0" b="0"/>
+      </a:fillRef>
+      <a:effectRef idx="0">
+        <a:scrgbClr r="0" g="0" b="0"/>
+      </a:effectRef>
+      <a:fontRef idx="minor"/>
+    </dgm:style>
+  </dgm:styleLbl>
+  <dgm:styleLbl name="alignAcc1">
+    <dgm:scene3d>
+      <a:camera prst="orthographicFront"/>
+      <a:lightRig rig="threePt" dir="t"/>
+    </dgm:scene3d>
+    <dgm:sp3d/>
+    <dgm:txPr/>
+    <dgm:style>
+      <a:lnRef idx="2">
+        <a:scrgbClr r="0" g="0" b="0"/>
+      </a:lnRef>
+      <a:fillRef idx="1">
+        <a:scrgbClr r="0" g="0" b="0"/>
+      </a:fillRef>
+      <a:effectRef idx="0">
+        <a:scrgbClr r="0" g="0" b="0"/>
+      </a:effectRef>
+      <a:fontRef idx="minor"/>
+    </dgm:style>
+  </dgm:styleLbl>
+  <dgm:styleLbl name="trAlignAcc1">
+    <dgm:scene3d>
+      <a:camera prst="orthographicFront"/>
+      <a:lightRig rig="threePt" dir="t"/>
+    </dgm:scene3d>
+    <dgm:sp3d/>
+    <dgm:txPr/>
+    <dgm:style>
+      <a:lnRef idx="1">
+        <a:scrgbClr r="0" g="0" b="0"/>
+      </a:lnRef>
+      <a:fillRef idx="1">
+        <a:scrgbClr r="0" g="0" b="0"/>
+      </a:fillRef>
+      <a:effectRef idx="0">
+        <a:scrgbClr r="0" g="0" b="0"/>
+      </a:effectRef>
+      <a:fontRef idx="minor"/>
+    </dgm:style>
+  </dgm:styleLbl>
+  <dgm:styleLbl name="bgAcc1">
+    <dgm:scene3d>
+      <a:camera prst="orthographicFront"/>
+      <a:lightRig rig="threePt" dir="t"/>
+    </dgm:scene3d>
+    <dgm:sp3d/>
+    <dgm:txPr/>
+    <dgm:style>
+      <a:lnRef idx="2">
+        <a:scrgbClr r="0" g="0" b="0"/>
+      </a:lnRef>
+      <a:fillRef idx="1">
+        <a:scrgbClr r="0" g="0" b="0"/>
+      </a:fillRef>
+      <a:effectRef idx="0">
+        <a:scrgbClr r="0" g="0" b="0"/>
+      </a:effectRef>
+      <a:fontRef idx="minor"/>
+    </dgm:style>
+  </dgm:styleLbl>
+  <dgm:styleLbl name="solidFgAcc1">
+    <dgm:scene3d>
+      <a:camera prst="orthographicFront"/>
+      <a:lightRig rig="threePt" dir="t"/>
+    </dgm:scene3d>
+    <dgm:sp3d/>
+    <dgm:txPr/>
+    <dgm:style>
+      <a:lnRef idx="2">
+        <a:scrgbClr r="0" g="0" b="0"/>
+      </a:lnRef>
+      <a:fillRef idx="1">
+        <a:scrgbClr r="0" g="0" b="0"/>
+      </a:fillRef>
+      <a:effectRef idx="0">
+        <a:scrgbClr r="0" g="0" b="0"/>
+      </a:effectRef>
+      <a:fontRef idx="minor"/>
+    </dgm:style>
+  </dgm:styleLbl>
+  <dgm:styleLbl name="solidAlignAcc1">
+    <dgm:scene3d>
+      <a:camera prst="orthographicFront"/>
+      <a:lightRig rig="threePt" dir="t"/>
+    </dgm:scene3d>
+    <dgm:sp3d/>
+    <dgm:txPr/>
+    <dgm:style>
+      <a:lnRef idx="2">
+        <a:scrgbClr r="0" g="0" b="0"/>
+      </a:lnRef>
+      <a:fillRef idx="1">
+        <a:scrgbClr r="0" g="0" b="0"/>
+      </a:fillRef>
+      <a:effectRef idx="0">
+        <a:scrgbClr r="0" g="0" b="0"/>
+      </a:effectRef>
+      <a:fontRef idx="minor"/>
+    </dgm:style>
+  </dgm:styleLbl>
+  <dgm:styleLbl name="solidBgAcc1">
+    <dgm:scene3d>
+      <a:camera prst="orthographicFront"/>
+      <a:lightRig rig="threePt" dir="t"/>
+    </dgm:scene3d>
+    <dgm:sp3d/>
+    <dgm:txPr/>
+    <dgm:style>
+      <a:lnRef idx="2">
+        <a:scrgbClr r="0" g="0" b="0"/>
+      </a:lnRef>
+      <a:fillRef idx="1">
+        <a:scrgbClr r="0" g="0" b="0"/>
+      </a:fillRef>
+      <a:effectRef idx="0">
+        <a:scrgbClr r="0" g="0" b="0"/>
+      </a:effectRef>
+      <a:fontRef idx="minor"/>
+    </dgm:style>
+  </dgm:styleLbl>
+  <dgm:styleLbl name="fgAccFollowNode1">
+    <dgm:scene3d>
+      <a:camera prst="orthographicFront"/>
+      <a:lightRig rig="threePt" dir="t"/>
+    </dgm:scene3d>
+    <dgm:sp3d/>
+    <dgm:txPr/>
+    <dgm:style>
+      <a:lnRef idx="2">
+        <a:scrgbClr r="0" g="0" b="0"/>
+      </a:lnRef>
+      <a:fillRef idx="1">
+        <a:scrgbClr r="0" g="0" b="0"/>
+      </a:fillRef>
+      <a:effectRef idx="0">
+        <a:scrgbClr r="0" g="0" b="0"/>
+      </a:effectRef>
+      <a:fontRef idx="minor"/>
+    </dgm:style>
+  </dgm:styleLbl>
+  <dgm:styleLbl name="alignAccFollowNode1">
+    <dgm:scene3d>
+      <a:camera prst="orthographicFront"/>
+      <a:lightRig rig="threePt" dir="t"/>
+    </dgm:scene3d>
+    <dgm:sp3d/>
+    <dgm:txPr/>
+    <dgm:style>
+      <a:lnRef idx="2">
+        <a:scrgbClr r="0" g="0" b="0"/>
+      </a:lnRef>
+      <a:fillRef idx="1">
+        <a:scrgbClr r="0" g="0" b="0"/>
+      </a:fillRef>
+      <a:effectRef idx="0">
+        <a:scrgbClr r="0" g="0" b="0"/>
+      </a:effectRef>
+      <a:fontRef idx="minor"/>
+    </dgm:style>
+  </dgm:styleLbl>
+  <dgm:styleLbl name="bgAccFollowNode1">
+    <dgm:scene3d>
+      <a:camera prst="orthographicFront"/>
+      <a:lightRig rig="threePt" dir="t"/>
+    </dgm:scene3d>
+    <dgm:sp3d/>
+    <dgm:txPr/>
+    <dgm:style>
+      <a:lnRef idx="2">
+        <a:scrgbClr r="0" g="0" b="0"/>
+      </a:lnRef>
+      <a:fillRef idx="1">
+        <a:scrgbClr r="0" g="0" b="0"/>
+      </a:fillRef>
+      <a:effectRef idx="0">
+        <a:scrgbClr r="0" g="0" b="0"/>
+      </a:effectRef>
+      <a:fontRef idx="minor"/>
+    </dgm:style>
+  </dgm:styleLbl>
+  <dgm:styleLbl name="fgAcc0">
+    <dgm:scene3d>
+      <a:camera prst="orthographicFront"/>
+      <a:lightRig rig="threePt" dir="t"/>
+    </dgm:scene3d>
+    <dgm:sp3d/>
+    <dgm:txPr/>
+    <dgm:style>
+      <a:lnRef idx="2">
+        <a:scrgbClr r="0" g="0" b="0"/>
+      </a:lnRef>
+      <a:fillRef idx="1">
+        <a:scrgbClr r="0" g="0" b="0"/>
+      </a:fillRef>
+      <a:effectRef idx="0">
+        <a:scrgbClr r="0" g="0" b="0"/>
+      </a:effectRef>
+      <a:fontRef idx="minor"/>
+    </dgm:style>
+  </dgm:styleLbl>
+  <dgm:styleLbl name="fgAcc2">
+    <dgm:scene3d>
+      <a:camera prst="orthographicFront"/>
+      <a:lightRig rig="threePt" dir="t"/>
+    </dgm:scene3d>
+    <dgm:sp3d/>
+    <dgm:txPr/>
+    <dgm:style>
+      <a:lnRef idx="2">
+        <a:scrgbClr r="0" g="0" b="0"/>
+      </a:lnRef>
+      <a:fillRef idx="1">
+        <a:scrgbClr r="0" g="0" b="0"/>
+      </a:fillRef>
+      <a:effectRef idx="0">
+        <a:scrgbClr r="0" g="0" b="0"/>
+      </a:effectRef>
+      <a:fontRef idx="minor"/>
+    </dgm:style>
+  </dgm:styleLbl>
+  <dgm:styleLbl name="fgAcc3">
+    <dgm:scene3d>
+      <a:camera prst="orthographicFront"/>
+      <a:lightRig rig="threePt" dir="t"/>
+    </dgm:scene3d>
+    <dgm:sp3d/>
+    <dgm:txPr/>
+    <dgm:style>
+      <a:lnRef idx="2">
+        <a:scrgbClr r="0" g="0" b="0"/>
+      </a:lnRef>
+      <a:fillRef idx="1">
+        <a:scrgbClr r="0" g="0" b="0"/>
+      </a:fillRef>
+      <a:effectRef idx="0">
+        <a:scrgbClr r="0" g="0" b="0"/>
+      </a:effectRef>
+      <a:fontRef idx="minor"/>
+    </dgm:style>
+  </dgm:styleLbl>
+  <dgm:styleLbl name="fgAcc4">
+    <dgm:scene3d>
+      <a:camera prst="orthographicFront"/>
+      <a:lightRig rig="threePt" dir="t"/>
+    </dgm:scene3d>
+    <dgm:sp3d/>
+    <dgm:txPr/>
+    <dgm:style>
+      <a:lnRef idx="2">
+        <a:scrgbClr r="0" g="0" b="0"/>
+      </a:lnRef>
+      <a:fillRef idx="1">
+        <a:scrgbClr r="0" g="0" b="0"/>
+      </a:fillRef>
+      <a:effectRef idx="0">
+        <a:scrgbClr r="0" g="0" b="0"/>
+      </a:effectRef>
+      <a:fontRef idx="minor"/>
+    </dgm:style>
+  </dgm:styleLbl>
+  <dgm:styleLbl name="bgShp">
+    <dgm:scene3d>
+      <a:camera prst="orthographicFront"/>
+      <a:lightRig rig="threePt" dir="t"/>
+    </dgm:scene3d>
+    <dgm:sp3d/>
+    <dgm:txPr/>
+    <dgm:style>
+      <a:lnRef idx="0">
+        <a:scrgbClr r="0" g="0" b="0"/>
+      </a:lnRef>
+      <a:fillRef idx="1">
+        <a:scrgbClr r="0" g="0" b="0"/>
+      </a:fillRef>
+      <a:effectRef idx="0">
+        <a:scrgbClr r="0" g="0" b="0"/>
+      </a:effectRef>
+      <a:fontRef idx="minor"/>
+    </dgm:style>
+  </dgm:styleLbl>
+  <dgm:styleLbl name="dkBgShp">
+    <dgm:scene3d>
+      <a:camera prst="orthographicFront"/>
+      <a:lightRig rig="threePt" dir="t"/>
+    </dgm:scene3d>
+    <dgm:sp3d/>
+    <dgm:txPr/>
+    <dgm:style>
+      <a:lnRef idx="0">
+        <a:scrgbClr r="0" g="0" b="0"/>
+      </a:lnRef>
+      <a:fillRef idx="1">
+        <a:scrgbClr r="0" g="0" b="0"/>
+      </a:fillRef>
+      <a:effectRef idx="0">
+        <a:scrgbClr r="0" g="0" b="0"/>
+      </a:effectRef>
+      <a:fontRef idx="minor"/>
+    </dgm:style>
+  </dgm:styleLbl>
+  <dgm:styleLbl name="trBgShp">
+    <dgm:scene3d>
+      <a:camera prst="orthographicFront"/>
+      <a:lightRig rig="threePt" dir="t"/>
+    </dgm:scene3d>
+    <dgm:sp3d/>
+    <dgm:txPr/>
+    <dgm:style>
+      <a:lnRef idx="0">
+        <a:scrgbClr r="0" g="0" b="0"/>
+      </a:lnRef>
+      <a:fillRef idx="1">
+        <a:scrgbClr r="0" g="0" b="0"/>
+      </a:fillRef>
+      <a:effectRef idx="0">
+        <a:scrgbClr r="0" g="0" b="0"/>
+      </a:effectRef>
+      <a:fontRef idx="minor"/>
+    </dgm:style>
+  </dgm:styleLbl>
+  <dgm:styleLbl name="fgShp">
+    <dgm:scene3d>
+      <a:camera prst="orthographicFront"/>
+      <a:lightRig rig="threePt" dir="t"/>
+    </dgm:scene3d>
+    <dgm:sp3d/>
+    <dgm:txPr/>
+    <dgm:style>
+      <a:lnRef idx="2">
+        <a:scrgbClr r="0" g="0" b="0"/>
+      </a:lnRef>
+      <a:fillRef idx="1">
+        <a:scrgbClr r="0" g="0" b="0"/>
+      </a:fillRef>
+      <a:effectRef idx="0">
+        <a:scrgbClr r="0" g="0" b="0"/>
+      </a:effectRef>
+      <a:fontRef idx="minor"/>
+    </dgm:style>
+  </dgm:styleLbl>
+  <dgm:styleLbl name="revTx">
+    <dgm:scene3d>
+      <a:camera prst="orthographicFront"/>
+      <a:lightRig rig="threePt" dir="t"/>
+    </dgm:scene3d>
+    <dgm:sp3d/>
+    <dgm:txPr/>
+    <dgm:style>
+      <a:lnRef idx="0">
+        <a:scrgbClr r="0" g="0" b="0"/>
+      </a:lnRef>
+      <a:fillRef idx="0">
+        <a:scrgbClr r="0" g="0" b="0"/>
+      </a:fillRef>
+      <a:effectRef idx="0">
+        <a:scrgbClr r="0" g="0" b="0"/>
+      </a:effectRef>
+      <a:fontRef idx="minor"/>
+    </dgm:style>
+  </dgm:styleLbl>
+</dgm:styleDef>
+</file>
+
+<file path=ppt/diagrams/quickStyle3.xml><?xml version="1.0" encoding="utf-8"?>
 <dgm:styleDef xmlns:dgm="http://schemas.openxmlformats.org/drawingml/2006/diagram" xmlns:a="http://schemas.openxmlformats.org/drawingml/2006/main" uniqueId="urn:microsoft.com/office/officeart/2005/8/quickstyle/simple1">
   <dgm:title val=""/>
   <dgm:desc val=""/>
@@ -14107,6 +16799,14 @@
 <file path=ppt/slides/slide10.xml><?xml version="1.0" encoding="utf-8"?>
 <p:sld xmlns:a="http://schemas.openxmlformats.org/drawingml/2006/main" xmlns:r="http://schemas.openxmlformats.org/officeDocument/2006/relationships" xmlns:p="http://schemas.openxmlformats.org/presentationml/2006/main">
   <p:cSld>
+    <p:bg>
+      <p:bgPr>
+        <a:solidFill>
+          <a:schemeClr val="bg2"/>
+        </a:solidFill>
+        <a:effectLst/>
+      </p:bgPr>
+    </p:bg>
     <p:spTree>
       <p:nvGrpSpPr>
         <p:cNvPr id="1" name=""/>
@@ -14121,113 +16821,82 @@
           <a:chExt cx="0" cy="0"/>
         </a:xfrm>
       </p:grpSpPr>
-      <p:sp>
+      <p:sp useBgFill="1">
         <p:nvSpPr>
-          <p:cNvPr id="2" name="Title 1">
+          <p:cNvPr id="10" name="Rectangle 11">
             <a:extLst>
               <a:ext uri="{FF2B5EF4-FFF2-40B4-BE49-F238E27FC236}">
-                <a16:creationId xmlns:a16="http://schemas.microsoft.com/office/drawing/2014/main" id="{40E82120-DAD9-4469-AACD-C170F2CEC061}"/>
+                <a16:creationId xmlns:a16="http://schemas.microsoft.com/office/drawing/2014/main" id="{60B7752B-728D-4CA3-8923-C4F7F77029E3}"/>
+              </a:ext>
+              <a:ext uri="{C183D7F6-B498-43B3-948B-1728B52AA6E4}">
+                <adec:decorative xmlns:adec="http://schemas.microsoft.com/office/drawing/2017/decorative" val="1"/>
               </a:ext>
             </a:extLst>
           </p:cNvPr>
           <p:cNvSpPr>
-            <a:spLocks noGrp="1"/>
+            <a:spLocks noGrp="1" noRot="1" noChangeAspect="1" noMove="1" noResize="1" noEditPoints="1" noAdjustHandles="1" noChangeArrowheads="1" noChangeShapeType="1" noTextEdit="1"/>
           </p:cNvSpPr>
           <p:nvPr>
-            <p:ph type="title"/>
+            <p:extLst>
+              <p:ext uri="{386F3935-93C4-4BCD-93E2-E3B085C9AB24}">
+                <p16:designElem xmlns:p16="http://schemas.microsoft.com/office/powerpoint/2015/main" val="1"/>
+              </p:ext>
+            </p:extLst>
           </p:nvPr>
         </p:nvSpPr>
-        <p:spPr/>
+        <p:spPr>
+          <a:xfrm>
+            <a:off x="0" y="0"/>
+            <a:ext cx="12192000" cy="6858000"/>
+          </a:xfrm>
+          <a:prstGeom prst="rect">
+            <a:avLst/>
+          </a:prstGeom>
+          <a:ln w="12700" cap="flat" cmpd="sng" algn="ctr">
+            <a:noFill/>
+            <a:prstDash val="solid"/>
+            <a:miter lim="800000"/>
+          </a:ln>
+          <a:effectLst/>
+          <a:extLst>
+            <a:ext uri="{91240B29-F687-4F45-9708-019B960494DF}">
+              <a14:hiddenLine xmlns:a14="http://schemas.microsoft.com/office/drawing/2010/main" w="12700" cap="flat" cmpd="sng" algn="ctr">
+                <a:solidFill>
+                  <a:schemeClr val="accent1">
+                    <a:shade val="50000"/>
+                  </a:schemeClr>
+                </a:solidFill>
+                <a:prstDash val="solid"/>
+                <a:miter lim="800000"/>
+              </a14:hiddenLine>
+            </a:ext>
+          </a:extLst>
+        </p:spPr>
+        <p:style>
+          <a:lnRef idx="2">
+            <a:schemeClr val="accent1">
+              <a:shade val="50000"/>
+            </a:schemeClr>
+          </a:lnRef>
+          <a:fillRef idx="1">
+            <a:schemeClr val="accent1"/>
+          </a:fillRef>
+          <a:effectRef idx="0">
+            <a:schemeClr val="accent1"/>
+          </a:effectRef>
+          <a:fontRef idx="minor">
+            <a:schemeClr val="lt1"/>
+          </a:fontRef>
+        </p:style>
         <p:txBody>
-          <a:bodyPr/>
+          <a:bodyPr rtlCol="0" anchor="ctr"/>
           <a:lstStyle/>
           <a:p>
-            <a:r>
-              <a:rPr lang="en-US"/>
-              <a:t>Key Challenges:</a:t>
-            </a:r>
+            <a:pPr algn="ctr"/>
+            <a:endParaRPr lang="en-US"/>
           </a:p>
         </p:txBody>
       </p:sp>
-      <p:sp>
-        <p:nvSpPr>
-          <p:cNvPr id="3" name="Content Placeholder 2">
-            <a:extLst>
-              <a:ext uri="{FF2B5EF4-FFF2-40B4-BE49-F238E27FC236}">
-                <a16:creationId xmlns:a16="http://schemas.microsoft.com/office/drawing/2014/main" id="{5995FC04-6A68-49A9-895F-CB226F9C231D}"/>
-              </a:ext>
-            </a:extLst>
-          </p:cNvPr>
-          <p:cNvSpPr>
-            <a:spLocks noGrp="1"/>
-          </p:cNvSpPr>
-          <p:nvPr>
-            <p:ph idx="1"/>
-          </p:nvPr>
-        </p:nvSpPr>
-        <p:spPr/>
-        <p:txBody>
-          <a:bodyPr vert="horz" wrap="square" lIns="0" tIns="0" rIns="0" bIns="0" rtlCol="0" anchor="t">
-            <a:normAutofit/>
-          </a:bodyPr>
-          <a:lstStyle/>
-          <a:p>
-            <a:pPr marL="0" indent="0">
-              <a:buNone/>
-            </a:pPr>
-            <a:r>
-              <a:rPr lang="en-US">
-                <a:solidFill>
-                  <a:srgbClr val="FFFFFF"/>
-                </a:solidFill>
-              </a:rPr>
-              <a:t>Room Database work</a:t>
-            </a:r>
-          </a:p>
-          <a:p>
-            <a:pPr marL="0" indent="0">
-              <a:buNone/>
-            </a:pPr>
-            <a:endParaRPr lang="en-US" dirty="0">
-              <a:solidFill>
-                <a:srgbClr val="FFFFFF">
-                  <a:alpha val="60000"/>
-                </a:srgbClr>
-              </a:solidFill>
-            </a:endParaRPr>
-          </a:p>
-        </p:txBody>
-      </p:sp>
-    </p:spTree>
-    <p:extLst>
-      <p:ext uri="{BB962C8B-B14F-4D97-AF65-F5344CB8AC3E}">
-        <p14:creationId xmlns:p14="http://schemas.microsoft.com/office/powerpoint/2010/main" val="1275085597"/>
-      </p:ext>
-    </p:extLst>
-  </p:cSld>
-  <p:clrMapOvr>
-    <a:masterClrMapping/>
-  </p:clrMapOvr>
-</p:sld>
-</file>
-
-<file path=ppt/slides/slide11.xml><?xml version="1.0" encoding="utf-8"?>
-<p:sld xmlns:a="http://schemas.openxmlformats.org/drawingml/2006/main" xmlns:r="http://schemas.openxmlformats.org/officeDocument/2006/relationships" xmlns:p="http://schemas.openxmlformats.org/presentationml/2006/main">
-  <p:cSld>
-    <p:spTree>
-      <p:nvGrpSpPr>
-        <p:cNvPr id="1" name=""/>
-        <p:cNvGrpSpPr/>
-        <p:nvPr/>
-      </p:nvGrpSpPr>
-      <p:grpSpPr>
-        <a:xfrm>
-          <a:off x="0" y="0"/>
-          <a:ext cx="0" cy="0"/>
-          <a:chOff x="0" y="0"/>
-          <a:chExt cx="0" cy="0"/>
-        </a:xfrm>
-      </p:grpSpPr>
       <p:sp>
         <p:nvSpPr>
           <p:cNvPr id="2" name="Title 1">
@@ -14244,108 +16913,927 @@
             <p:ph type="title"/>
           </p:nvPr>
         </p:nvSpPr>
-        <p:spPr/>
+        <p:spPr>
+          <a:xfrm>
+            <a:off x="550863" y="1520825"/>
+            <a:ext cx="4535487" cy="3779838"/>
+          </a:xfrm>
+        </p:spPr>
         <p:txBody>
-          <a:bodyPr/>
+          <a:bodyPr anchor="ctr">
+            <a:normAutofit/>
+          </a:bodyPr>
           <a:lstStyle/>
           <a:p>
+            <a:pPr>
+              <a:lnSpc>
+                <a:spcPct val="90000"/>
+              </a:lnSpc>
+            </a:pPr>
             <a:r>
-              <a:rPr lang="en-US"/>
+              <a:rPr lang="en-US" sz="5400"/>
               <a:t>Features not accomplished</a:t>
             </a:r>
           </a:p>
         </p:txBody>
       </p:sp>
+      <p:grpSp>
+        <p:nvGrpSpPr>
+          <p:cNvPr id="13" name="Group 13">
+            <a:extLst>
+              <a:ext uri="{FF2B5EF4-FFF2-40B4-BE49-F238E27FC236}">
+                <a16:creationId xmlns:a16="http://schemas.microsoft.com/office/drawing/2014/main" id="{20205E53-D75C-4F15-A4A3-21DA0826FCE9}"/>
+              </a:ext>
+              <a:ext uri="{C183D7F6-B498-43B3-948B-1728B52AA6E4}">
+                <adec:decorative xmlns:adec="http://schemas.microsoft.com/office/drawing/2017/decorative" val="1"/>
+              </a:ext>
+            </a:extLst>
+          </p:cNvPr>
+          <p:cNvGrpSpPr>
+            <a:grpSpLocks noGrp="1" noUngrp="1" noRot="1" noChangeAspect="1" noMove="1" noResize="1"/>
+          </p:cNvGrpSpPr>
+          <p:nvPr>
+            <p:extLst>
+              <p:ext uri="{386F3935-93C4-4BCD-93E2-E3B085C9AB24}">
+                <p16:designElem xmlns:p16="http://schemas.microsoft.com/office/powerpoint/2015/main" val="1"/>
+              </p:ext>
+            </p:extLst>
+          </p:nvPr>
+        </p:nvGrpSpPr>
+        <p:grpSpPr>
+          <a:xfrm>
+            <a:off x="1132950" y="623661"/>
+            <a:ext cx="667800" cy="631474"/>
+            <a:chOff x="8069541" y="1262702"/>
+            <a:chExt cx="667800" cy="631474"/>
+          </a:xfrm>
+        </p:grpSpPr>
+        <p:sp>
+          <p:nvSpPr>
+            <p:cNvPr id="15" name="Freeform: Shape 14">
+              <a:extLst>
+                <a:ext uri="{FF2B5EF4-FFF2-40B4-BE49-F238E27FC236}">
+                  <a16:creationId xmlns:a16="http://schemas.microsoft.com/office/drawing/2014/main" id="{EB48C7E5-9699-4FB1-9EEE-581C686293C0}"/>
+                </a:ext>
+                <a:ext uri="{C183D7F6-B498-43B3-948B-1728B52AA6E4}">
+                  <adec:decorative xmlns:adec="http://schemas.microsoft.com/office/drawing/2017/decorative" val="1"/>
+                </a:ext>
+              </a:extLst>
+            </p:cNvPr>
+            <p:cNvSpPr>
+              <a:spLocks noChangeAspect="1"/>
+            </p:cNvSpPr>
+            <p:nvPr>
+              <p:extLst>
+                <p:ext uri="{386F3935-93C4-4BCD-93E2-E3B085C9AB24}">
+                  <p16:designElem xmlns:p16="http://schemas.microsoft.com/office/powerpoint/2015/main" val="1"/>
+                </p:ext>
+              </p:extLst>
+            </p:nvPr>
+          </p:nvSpPr>
+          <p:spPr>
+            <a:xfrm rot="18900000">
+              <a:off x="8069541" y="1262702"/>
+              <a:ext cx="540000" cy="631474"/>
+            </a:xfrm>
+            <a:custGeom>
+              <a:avLst/>
+              <a:gdLst>
+                <a:gd name="connsiteX0" fmla="*/ 540000 w 1080000"/>
+                <a:gd name="connsiteY0" fmla="*/ 0 h 1262947"/>
+                <a:gd name="connsiteX1" fmla="*/ 1080000 w 1080000"/>
+                <a:gd name="connsiteY1" fmla="*/ 931034 h 1262947"/>
+                <a:gd name="connsiteX2" fmla="*/ 1064374 w 1080000"/>
+                <a:gd name="connsiteY2" fmla="*/ 931034 h 1262947"/>
+                <a:gd name="connsiteX3" fmla="*/ 1069029 w 1080000"/>
+                <a:gd name="connsiteY3" fmla="*/ 938533 h 1262947"/>
+                <a:gd name="connsiteX4" fmla="*/ 1080000 w 1080000"/>
+                <a:gd name="connsiteY4" fmla="*/ 992947 h 1262947"/>
+                <a:gd name="connsiteX5" fmla="*/ 540000 w 1080000"/>
+                <a:gd name="connsiteY5" fmla="*/ 1262947 h 1262947"/>
+                <a:gd name="connsiteX6" fmla="*/ 0 w 1080000"/>
+                <a:gd name="connsiteY6" fmla="*/ 992947 h 1262947"/>
+                <a:gd name="connsiteX7" fmla="*/ 10971 w 1080000"/>
+                <a:gd name="connsiteY7" fmla="*/ 938533 h 1262947"/>
+                <a:gd name="connsiteX8" fmla="*/ 15626 w 1080000"/>
+                <a:gd name="connsiteY8" fmla="*/ 931034 h 1262947"/>
+                <a:gd name="connsiteX9" fmla="*/ 0 w 1080000"/>
+                <a:gd name="connsiteY9" fmla="*/ 931034 h 1262947"/>
+                <a:gd name="connsiteX0" fmla="*/ 540000 w 1080000"/>
+                <a:gd name="connsiteY0" fmla="*/ 0 h 1262947"/>
+                <a:gd name="connsiteX1" fmla="*/ 1080000 w 1080000"/>
+                <a:gd name="connsiteY1" fmla="*/ 931034 h 1262947"/>
+                <a:gd name="connsiteX2" fmla="*/ 1064374 w 1080000"/>
+                <a:gd name="connsiteY2" fmla="*/ 931034 h 1262947"/>
+                <a:gd name="connsiteX3" fmla="*/ 1069029 w 1080000"/>
+                <a:gd name="connsiteY3" fmla="*/ 938533 h 1262947"/>
+                <a:gd name="connsiteX4" fmla="*/ 1080000 w 1080000"/>
+                <a:gd name="connsiteY4" fmla="*/ 992947 h 1262947"/>
+                <a:gd name="connsiteX5" fmla="*/ 540000 w 1080000"/>
+                <a:gd name="connsiteY5" fmla="*/ 1262947 h 1262947"/>
+                <a:gd name="connsiteX6" fmla="*/ 0 w 1080000"/>
+                <a:gd name="connsiteY6" fmla="*/ 992947 h 1262947"/>
+                <a:gd name="connsiteX7" fmla="*/ 10971 w 1080000"/>
+                <a:gd name="connsiteY7" fmla="*/ 938533 h 1262947"/>
+                <a:gd name="connsiteX8" fmla="*/ 15626 w 1080000"/>
+                <a:gd name="connsiteY8" fmla="*/ 931034 h 1262947"/>
+                <a:gd name="connsiteX9" fmla="*/ 540000 w 1080000"/>
+                <a:gd name="connsiteY9" fmla="*/ 0 h 1262947"/>
+                <a:gd name="connsiteX0" fmla="*/ 540000 w 1080000"/>
+                <a:gd name="connsiteY0" fmla="*/ 0 h 1262947"/>
+                <a:gd name="connsiteX1" fmla="*/ 1064374 w 1080000"/>
+                <a:gd name="connsiteY1" fmla="*/ 931034 h 1262947"/>
+                <a:gd name="connsiteX2" fmla="*/ 1069029 w 1080000"/>
+                <a:gd name="connsiteY2" fmla="*/ 938533 h 1262947"/>
+                <a:gd name="connsiteX3" fmla="*/ 1080000 w 1080000"/>
+                <a:gd name="connsiteY3" fmla="*/ 992947 h 1262947"/>
+                <a:gd name="connsiteX4" fmla="*/ 540000 w 1080000"/>
+                <a:gd name="connsiteY4" fmla="*/ 1262947 h 1262947"/>
+                <a:gd name="connsiteX5" fmla="*/ 0 w 1080000"/>
+                <a:gd name="connsiteY5" fmla="*/ 992947 h 1262947"/>
+                <a:gd name="connsiteX6" fmla="*/ 10971 w 1080000"/>
+                <a:gd name="connsiteY6" fmla="*/ 938533 h 1262947"/>
+                <a:gd name="connsiteX7" fmla="*/ 15626 w 1080000"/>
+                <a:gd name="connsiteY7" fmla="*/ 931034 h 1262947"/>
+                <a:gd name="connsiteX8" fmla="*/ 540000 w 1080000"/>
+                <a:gd name="connsiteY8" fmla="*/ 0 h 1262947"/>
+              </a:gdLst>
+              <a:ahLst/>
+              <a:cxnLst>
+                <a:cxn ang="0">
+                  <a:pos x="connsiteX0" y="connsiteY0"/>
+                </a:cxn>
+                <a:cxn ang="0">
+                  <a:pos x="connsiteX1" y="connsiteY1"/>
+                </a:cxn>
+                <a:cxn ang="0">
+                  <a:pos x="connsiteX2" y="connsiteY2"/>
+                </a:cxn>
+                <a:cxn ang="0">
+                  <a:pos x="connsiteX3" y="connsiteY3"/>
+                </a:cxn>
+                <a:cxn ang="0">
+                  <a:pos x="connsiteX4" y="connsiteY4"/>
+                </a:cxn>
+                <a:cxn ang="0">
+                  <a:pos x="connsiteX5" y="connsiteY5"/>
+                </a:cxn>
+                <a:cxn ang="0">
+                  <a:pos x="connsiteX6" y="connsiteY6"/>
+                </a:cxn>
+                <a:cxn ang="0">
+                  <a:pos x="connsiteX7" y="connsiteY7"/>
+                </a:cxn>
+                <a:cxn ang="0">
+                  <a:pos x="connsiteX8" y="connsiteY8"/>
+                </a:cxn>
+              </a:cxnLst>
+              <a:rect l="l" t="t" r="r" b="b"/>
+              <a:pathLst>
+                <a:path w="1080000" h="1262947">
+                  <a:moveTo>
+                    <a:pt x="540000" y="0"/>
+                  </a:moveTo>
+                  <a:lnTo>
+                    <a:pt x="1064374" y="931034"/>
+                  </a:lnTo>
+                  <a:lnTo>
+                    <a:pt x="1069029" y="938533"/>
+                  </a:lnTo>
+                  <a:cubicBezTo>
+                    <a:pt x="1076223" y="956109"/>
+                    <a:pt x="1080000" y="974307"/>
+                    <a:pt x="1080000" y="992947"/>
+                  </a:cubicBezTo>
+                  <a:cubicBezTo>
+                    <a:pt x="1080000" y="1142064"/>
+                    <a:pt x="838234" y="1262947"/>
+                    <a:pt x="540000" y="1262947"/>
+                  </a:cubicBezTo>
+                  <a:cubicBezTo>
+                    <a:pt x="241766" y="1262947"/>
+                    <a:pt x="0" y="1142064"/>
+                    <a:pt x="0" y="992947"/>
+                  </a:cubicBezTo>
+                  <a:cubicBezTo>
+                    <a:pt x="0" y="974307"/>
+                    <a:pt x="3778" y="956109"/>
+                    <a:pt x="10971" y="938533"/>
+                  </a:cubicBezTo>
+                  <a:lnTo>
+                    <a:pt x="15626" y="931034"/>
+                  </a:lnTo>
+                  <a:lnTo>
+                    <a:pt x="540000" y="0"/>
+                  </a:lnTo>
+                  <a:close/>
+                </a:path>
+              </a:pathLst>
+            </a:custGeom>
+            <a:gradFill>
+              <a:gsLst>
+                <a:gs pos="60000">
+                  <a:schemeClr val="bg2">
+                    <a:lumMod val="90000"/>
+                    <a:lumOff val="10000"/>
+                  </a:schemeClr>
+                </a:gs>
+                <a:gs pos="30000">
+                  <a:schemeClr val="bg2">
+                    <a:lumMod val="90000"/>
+                    <a:lumOff val="10000"/>
+                  </a:schemeClr>
+                </a:gs>
+                <a:gs pos="40000">
+                  <a:schemeClr val="bg2">
+                    <a:lumMod val="75000"/>
+                    <a:lumOff val="25000"/>
+                  </a:schemeClr>
+                </a:gs>
+                <a:gs pos="100000">
+                  <a:schemeClr val="bg2"/>
+                </a:gs>
+              </a:gsLst>
+              <a:lin ang="10200000" scaled="0"/>
+            </a:gradFill>
+            <a:ln>
+              <a:noFill/>
+            </a:ln>
+            <a:effectLst>
+              <a:innerShdw blurRad="127000" dist="50800" dir="4200000">
+                <a:schemeClr val="accent1">
+                  <a:lumMod val="60000"/>
+                  <a:lumOff val="40000"/>
+                  <a:alpha val="20000"/>
+                </a:schemeClr>
+              </a:innerShdw>
+            </a:effectLst>
+          </p:spPr>
+          <p:style>
+            <a:lnRef idx="2">
+              <a:schemeClr val="accent1">
+                <a:shade val="50000"/>
+              </a:schemeClr>
+            </a:lnRef>
+            <a:fillRef idx="1">
+              <a:schemeClr val="accent1"/>
+            </a:fillRef>
+            <a:effectRef idx="0">
+              <a:schemeClr val="accent1"/>
+            </a:effectRef>
+            <a:fontRef idx="minor">
+              <a:schemeClr val="lt1"/>
+            </a:fontRef>
+          </p:style>
+          <p:txBody>
+            <a:bodyPr rot="0" spcFirstLastPara="0" vertOverflow="overflow" horzOverflow="overflow" vert="horz" wrap="square" lIns="91440" tIns="45720" rIns="91440" bIns="45720" numCol="1" spcCol="0" rtlCol="0" fromWordArt="0" anchor="ctr" anchorCtr="0" forceAA="0" compatLnSpc="1">
+              <a:prstTxWarp prst="textNoShape">
+                <a:avLst/>
+              </a:prstTxWarp>
+              <a:noAutofit/>
+            </a:bodyPr>
+            <a:lstStyle/>
+            <a:p>
+              <a:pPr algn="ctr"/>
+              <a:endParaRPr lang="en-US"/>
+            </a:p>
+          </p:txBody>
+        </p:sp>
+        <p:sp>
+          <p:nvSpPr>
+            <p:cNvPr id="16" name="Oval 15">
+              <a:extLst>
+                <a:ext uri="{FF2B5EF4-FFF2-40B4-BE49-F238E27FC236}">
+                  <a16:creationId xmlns:a16="http://schemas.microsoft.com/office/drawing/2014/main" id="{316993F2-7052-4269-8B81-AC271D2D9911}"/>
+                </a:ext>
+                <a:ext uri="{C183D7F6-B498-43B3-948B-1728B52AA6E4}">
+                  <adec:decorative xmlns:adec="http://schemas.microsoft.com/office/drawing/2017/decorative" val="1"/>
+                </a:ext>
+              </a:extLst>
+            </p:cNvPr>
+            <p:cNvSpPr/>
+            <p:nvPr>
+              <p:extLst>
+                <p:ext uri="{386F3935-93C4-4BCD-93E2-E3B085C9AB24}">
+                  <p16:designElem xmlns:p16="http://schemas.microsoft.com/office/powerpoint/2015/main" val="1"/>
+                </p:ext>
+              </p:extLst>
+            </p:nvPr>
+          </p:nvSpPr>
+          <p:spPr>
+            <a:xfrm rot="2700000">
+              <a:off x="8332341" y="1436239"/>
+              <a:ext cx="270000" cy="540000"/>
+            </a:xfrm>
+            <a:prstGeom prst="ellipse">
+              <a:avLst/>
+            </a:prstGeom>
+            <a:solidFill>
+              <a:schemeClr val="bg2">
+                <a:lumMod val="90000"/>
+                <a:lumOff val="10000"/>
+              </a:schemeClr>
+            </a:solidFill>
+            <a:ln>
+              <a:noFill/>
+            </a:ln>
+            <a:effectLst>
+              <a:innerShdw blurRad="1270000" dist="2540000">
+                <a:schemeClr val="accent1">
+                  <a:lumMod val="60000"/>
+                  <a:lumOff val="40000"/>
+                  <a:alpha val="0"/>
+                </a:schemeClr>
+              </a:innerShdw>
+            </a:effectLst>
+          </p:spPr>
+          <p:style>
+            <a:lnRef idx="2">
+              <a:schemeClr val="accent1">
+                <a:shade val="50000"/>
+              </a:schemeClr>
+            </a:lnRef>
+            <a:fillRef idx="1">
+              <a:schemeClr val="accent1"/>
+            </a:fillRef>
+            <a:effectRef idx="0">
+              <a:schemeClr val="accent1"/>
+            </a:effectRef>
+            <a:fontRef idx="minor">
+              <a:schemeClr val="lt1"/>
+            </a:fontRef>
+          </p:style>
+          <p:txBody>
+            <a:bodyPr rot="0" spcFirstLastPara="0" vertOverflow="overflow" horzOverflow="overflow" vert="horz" wrap="square" lIns="91440" tIns="45720" rIns="91440" bIns="45720" numCol="1" spcCol="0" rtlCol="0" fromWordArt="0" anchor="ctr" anchorCtr="0" forceAA="0" compatLnSpc="1">
+              <a:prstTxWarp prst="textNoShape">
+                <a:avLst/>
+              </a:prstTxWarp>
+              <a:noAutofit/>
+            </a:bodyPr>
+            <a:lstStyle/>
+            <a:p>
+              <a:pPr algn="ctr"/>
+              <a:endParaRPr lang="en-US" dirty="0"/>
+            </a:p>
+          </p:txBody>
+        </p:sp>
+      </p:grpSp>
       <p:sp>
         <p:nvSpPr>
-          <p:cNvPr id="3" name="Content Placeholder 2">
+          <p:cNvPr id="18" name="Oval 17">
             <a:extLst>
               <a:ext uri="{FF2B5EF4-FFF2-40B4-BE49-F238E27FC236}">
-                <a16:creationId xmlns:a16="http://schemas.microsoft.com/office/drawing/2014/main" id="{778DD7EF-9AA0-4F67-AFE4-D5496585EC73}"/>
+                <a16:creationId xmlns:a16="http://schemas.microsoft.com/office/drawing/2014/main" id="{52D58DC7-20C8-4471-BAA7-B296A2AEC3F6}"/>
+              </a:ext>
+              <a:ext uri="{C183D7F6-B498-43B3-948B-1728B52AA6E4}">
+                <adec:decorative xmlns:adec="http://schemas.microsoft.com/office/drawing/2017/decorative" val="1"/>
               </a:ext>
             </a:extLst>
           </p:cNvPr>
           <p:cNvSpPr>
-            <a:spLocks noGrp="1"/>
+            <a:spLocks noGrp="1" noRot="1" noChangeAspect="1" noMove="1" noResize="1" noEditPoints="1" noAdjustHandles="1" noChangeArrowheads="1" noChangeShapeType="1" noTextEdit="1"/>
           </p:cNvSpPr>
           <p:nvPr>
-            <p:ph idx="1"/>
+            <p:extLst>
+              <p:ext uri="{386F3935-93C4-4BCD-93E2-E3B085C9AB24}">
+                <p16:designElem xmlns:p16="http://schemas.microsoft.com/office/powerpoint/2015/main" val="1"/>
+              </p:ext>
+            </p:extLst>
           </p:nvPr>
         </p:nvSpPr>
-        <p:spPr/>
+        <p:spPr>
+          <a:xfrm>
+            <a:off x="482384" y="4977175"/>
+            <a:ext cx="360000" cy="360000"/>
+          </a:xfrm>
+          <a:prstGeom prst="ellipse">
+            <a:avLst/>
+          </a:prstGeom>
+          <a:gradFill flip="none" rotWithShape="1">
+            <a:gsLst>
+              <a:gs pos="100000">
+                <a:schemeClr val="bg2">
+                  <a:lumMod val="50000"/>
+                  <a:lumOff val="50000"/>
+                </a:schemeClr>
+              </a:gs>
+              <a:gs pos="60000">
+                <a:schemeClr val="bg2"/>
+              </a:gs>
+            </a:gsLst>
+            <a:path path="circle">
+              <a:fillToRect l="100000" b="100000"/>
+            </a:path>
+            <a:tileRect t="-100000" r="-100000"/>
+          </a:gradFill>
+          <a:ln>
+            <a:noFill/>
+          </a:ln>
+          <a:effectLst>
+            <a:innerShdw blurRad="127000" dist="63500" dir="2700000">
+              <a:schemeClr val="accent1">
+                <a:lumMod val="60000"/>
+                <a:lumOff val="40000"/>
+                <a:alpha val="20000"/>
+              </a:schemeClr>
+            </a:innerShdw>
+            <a:softEdge rad="0"/>
+          </a:effectLst>
+        </p:spPr>
+        <p:style>
+          <a:lnRef idx="2">
+            <a:schemeClr val="accent1">
+              <a:shade val="50000"/>
+            </a:schemeClr>
+          </a:lnRef>
+          <a:fillRef idx="1">
+            <a:schemeClr val="accent1"/>
+          </a:fillRef>
+          <a:effectRef idx="0">
+            <a:schemeClr val="accent1"/>
+          </a:effectRef>
+          <a:fontRef idx="minor">
+            <a:schemeClr val="lt1"/>
+          </a:fontRef>
+        </p:style>
         <p:txBody>
-          <a:bodyPr vert="horz" wrap="square" lIns="0" tIns="0" rIns="0" bIns="0" rtlCol="0" anchor="t">
-            <a:normAutofit/>
+          <a:bodyPr rot="0" spcFirstLastPara="0" vertOverflow="overflow" horzOverflow="overflow" vert="horz" wrap="square" lIns="91440" tIns="45720" rIns="91440" bIns="45720" numCol="1" spcCol="0" rtlCol="0" fromWordArt="0" anchor="ctr" anchorCtr="0" forceAA="0" compatLnSpc="1">
+            <a:prstTxWarp prst="textNoShape">
+              <a:avLst/>
+            </a:prstTxWarp>
+            <a:noAutofit/>
           </a:bodyPr>
           <a:lstStyle/>
           <a:p>
-            <a:pPr>
-              <a:buFont typeface="Wingdings" panose="020B0604020202020204" pitchFamily="34" charset="0"/>
-              <a:buChar char="§"/>
-            </a:pPr>
-            <a:r>
-              <a:rPr lang="en-US">
-                <a:solidFill>
-                  <a:srgbClr val="FFFFFF"/>
-                </a:solidFill>
-              </a:rPr>
-              <a:t>Login</a:t>
-            </a:r>
+            <a:pPr algn="ctr"/>
+            <a:endParaRPr lang="en-US"/>
+          </a:p>
+        </p:txBody>
+      </p:sp>
+      <p:sp>
+        <p:nvSpPr>
+          <p:cNvPr id="20" name="Freeform: Shape 19">
+            <a:extLst>
+              <a:ext uri="{FF2B5EF4-FFF2-40B4-BE49-F238E27FC236}">
+                <a16:creationId xmlns:a16="http://schemas.microsoft.com/office/drawing/2014/main" id="{8E4AABAC-100B-437F-86D3-981412859411}"/>
+              </a:ext>
+              <a:ext uri="{C183D7F6-B498-43B3-948B-1728B52AA6E4}">
+                <adec:decorative xmlns:adec="http://schemas.microsoft.com/office/drawing/2017/decorative" val="1"/>
+              </a:ext>
+            </a:extLst>
+          </p:cNvPr>
+          <p:cNvSpPr>
+            <a:spLocks noGrp="1" noRot="1" noChangeAspect="1" noMove="1" noResize="1" noEditPoints="1" noAdjustHandles="1" noChangeArrowheads="1" noChangeShapeType="1" noTextEdit="1"/>
+          </p:cNvSpPr>
+          <p:nvPr>
+            <p:extLst>
+              <p:ext uri="{386F3935-93C4-4BCD-93E2-E3B085C9AB24}">
+                <p16:designElem xmlns:p16="http://schemas.microsoft.com/office/powerpoint/2015/main" val="1"/>
+              </p:ext>
+            </p:extLst>
+          </p:nvPr>
+        </p:nvSpPr>
+        <p:spPr>
+          <a:xfrm rot="18900000">
+            <a:off x="3261346" y="5733597"/>
+            <a:ext cx="1758388" cy="926985"/>
+          </a:xfrm>
+          <a:custGeom>
+            <a:avLst/>
+            <a:gdLst>
+              <a:gd name="connsiteX0" fmla="*/ 1486881 w 1758388"/>
+              <a:gd name="connsiteY0" fmla="*/ 271508 h 926985"/>
+              <a:gd name="connsiteX1" fmla="*/ 1758388 w 1758388"/>
+              <a:gd name="connsiteY1" fmla="*/ 926985 h 926985"/>
+              <a:gd name="connsiteX2" fmla="*/ 1294895 w 1758388"/>
+              <a:gd name="connsiteY2" fmla="*/ 926985 h 926985"/>
+              <a:gd name="connsiteX3" fmla="*/ 831404 w 1758388"/>
+              <a:gd name="connsiteY3" fmla="*/ 463493 h 926985"/>
+              <a:gd name="connsiteX4" fmla="*/ 377328 w 1758388"/>
+              <a:gd name="connsiteY4" fmla="*/ 833575 h 926985"/>
+              <a:gd name="connsiteX5" fmla="*/ 371585 w 1758388"/>
+              <a:gd name="connsiteY5" fmla="*/ 890552 h 926985"/>
+              <a:gd name="connsiteX6" fmla="*/ 0 w 1758388"/>
+              <a:gd name="connsiteY6" fmla="*/ 518968 h 926985"/>
+              <a:gd name="connsiteX7" fmla="*/ 16301 w 1758388"/>
+              <a:gd name="connsiteY7" fmla="*/ 485129 h 926985"/>
+              <a:gd name="connsiteX8" fmla="*/ 831403 w 1758388"/>
+              <a:gd name="connsiteY8" fmla="*/ 0 h 926985"/>
+              <a:gd name="connsiteX9" fmla="*/ 1486881 w 1758388"/>
+              <a:gd name="connsiteY9" fmla="*/ 271508 h 926985"/>
+            </a:gdLst>
+            <a:ahLst/>
+            <a:cxnLst>
+              <a:cxn ang="0">
+                <a:pos x="connsiteX0" y="connsiteY0"/>
+              </a:cxn>
+              <a:cxn ang="0">
+                <a:pos x="connsiteX1" y="connsiteY1"/>
+              </a:cxn>
+              <a:cxn ang="0">
+                <a:pos x="connsiteX2" y="connsiteY2"/>
+              </a:cxn>
+              <a:cxn ang="0">
+                <a:pos x="connsiteX3" y="connsiteY3"/>
+              </a:cxn>
+              <a:cxn ang="0">
+                <a:pos x="connsiteX4" y="connsiteY4"/>
+              </a:cxn>
+              <a:cxn ang="0">
+                <a:pos x="connsiteX5" y="connsiteY5"/>
+              </a:cxn>
+              <a:cxn ang="0">
+                <a:pos x="connsiteX6" y="connsiteY6"/>
+              </a:cxn>
+              <a:cxn ang="0">
+                <a:pos x="connsiteX7" y="connsiteY7"/>
+              </a:cxn>
+              <a:cxn ang="0">
+                <a:pos x="connsiteX8" y="connsiteY8"/>
+              </a:cxn>
+              <a:cxn ang="0">
+                <a:pos x="connsiteX9" y="connsiteY9"/>
+              </a:cxn>
+            </a:cxnLst>
+            <a:rect l="l" t="t" r="r" b="b"/>
+            <a:pathLst>
+              <a:path w="1758388" h="926985">
+                <a:moveTo>
+                  <a:pt x="1486881" y="271508"/>
+                </a:moveTo>
+                <a:cubicBezTo>
+                  <a:pt x="1654632" y="439259"/>
+                  <a:pt x="1758388" y="671005"/>
+                  <a:pt x="1758388" y="926985"/>
+                </a:cubicBezTo>
+                <a:lnTo>
+                  <a:pt x="1294895" y="926985"/>
+                </a:lnTo>
+                <a:cubicBezTo>
+                  <a:pt x="1294895" y="671005"/>
+                  <a:pt x="1087383" y="463493"/>
+                  <a:pt x="831404" y="463493"/>
+                </a:cubicBezTo>
+                <a:cubicBezTo>
+                  <a:pt x="607421" y="463493"/>
+                  <a:pt x="420547" y="622370"/>
+                  <a:pt x="377328" y="833575"/>
+                </a:cubicBezTo>
+                <a:lnTo>
+                  <a:pt x="371585" y="890552"/>
+                </a:lnTo>
+                <a:lnTo>
+                  <a:pt x="0" y="518968"/>
+                </a:lnTo>
+                <a:lnTo>
+                  <a:pt x="16301" y="485129"/>
+                </a:lnTo>
+                <a:cubicBezTo>
+                  <a:pt x="173276" y="196165"/>
+                  <a:pt x="479432" y="0"/>
+                  <a:pt x="831403" y="0"/>
+                </a:cubicBezTo>
+                <a:cubicBezTo>
+                  <a:pt x="1087383" y="0"/>
+                  <a:pt x="1319129" y="103757"/>
+                  <a:pt x="1486881" y="271508"/>
+                </a:cubicBezTo>
+                <a:close/>
+              </a:path>
+            </a:pathLst>
+          </a:custGeom>
+          <a:solidFill>
+            <a:schemeClr val="bg2"/>
+          </a:solidFill>
+          <a:ln>
+            <a:noFill/>
+          </a:ln>
+          <a:effectLst>
+            <a:innerShdw blurRad="254000" dist="50800" dir="5400000">
+              <a:schemeClr val="accent1">
+                <a:lumMod val="40000"/>
+                <a:lumOff val="60000"/>
+                <a:alpha val="40000"/>
+              </a:schemeClr>
+            </a:innerShdw>
+          </a:effectLst>
+        </p:spPr>
+        <p:style>
+          <a:lnRef idx="2">
+            <a:schemeClr val="accent1">
+              <a:shade val="50000"/>
+            </a:schemeClr>
+          </a:lnRef>
+          <a:fillRef idx="1">
+            <a:schemeClr val="accent1"/>
+          </a:fillRef>
+          <a:effectRef idx="0">
+            <a:schemeClr val="accent1"/>
+          </a:effectRef>
+          <a:fontRef idx="minor">
+            <a:schemeClr val="lt1"/>
+          </a:fontRef>
+        </p:style>
+        <p:txBody>
+          <a:bodyPr wrap="square" rtlCol="0" anchor="ctr">
+            <a:noAutofit/>
+          </a:bodyPr>
+          <a:lstStyle/>
+          <a:p>
+            <a:pPr algn="ctr"/>
             <a:endParaRPr lang="en-US" dirty="0">
               <a:solidFill>
-                <a:srgbClr val="FFFFFF">
-                  <a:alpha val="60000"/>
-                </a:srgbClr>
-              </a:solidFill>
-            </a:endParaRPr>
-          </a:p>
-          <a:p>
-            <a:pPr>
-              <a:buFont typeface="Wingdings" panose="020B0604020202020204" pitchFamily="34" charset="0"/>
-              <a:buChar char="§"/>
-            </a:pPr>
-            <a:r>
-              <a:rPr lang="en-US">
-                <a:solidFill>
-                  <a:srgbClr val="FFFFFF"/>
-                </a:solidFill>
-              </a:rPr>
-              <a:t>Item Quantities</a:t>
-            </a:r>
-            <a:endParaRPr lang="en-US">
-              <a:solidFill>
-                <a:srgbClr val="FFFFFF">
-                  <a:alpha val="60000"/>
-                </a:srgbClr>
-              </a:solidFill>
-            </a:endParaRPr>
-          </a:p>
-          <a:p>
-            <a:pPr marL="0" indent="0">
-              <a:buNone/>
-            </a:pPr>
-            <a:endParaRPr lang="en-US" dirty="0">
-              <a:solidFill>
-                <a:srgbClr val="FFFFFF">
-                  <a:alpha val="60000"/>
-                </a:srgbClr>
-              </a:solidFill>
-            </a:endParaRPr>
-          </a:p>
-          <a:p>
-            <a:pPr marL="0" indent="0">
-              <a:buNone/>
-            </a:pPr>
-            <a:endParaRPr lang="en-US">
-              <a:solidFill>
-                <a:srgbClr val="FFFFFF">
-                  <a:alpha val="60000"/>
-                </a:srgbClr>
+                <a:schemeClr val="tx1"/>
               </a:solidFill>
             </a:endParaRPr>
           </a:p>
         </p:txBody>
       </p:sp>
+      <p:sp>
+        <p:nvSpPr>
+          <p:cNvPr id="22" name="Freeform: Shape 21">
+            <a:extLst>
+              <a:ext uri="{FF2B5EF4-FFF2-40B4-BE49-F238E27FC236}">
+                <a16:creationId xmlns:a16="http://schemas.microsoft.com/office/drawing/2014/main" id="{1DFD33E0-4D46-4176-BAE2-6AED15231C59}"/>
+              </a:ext>
+              <a:ext uri="{C183D7F6-B498-43B3-948B-1728B52AA6E4}">
+                <adec:decorative xmlns:adec="http://schemas.microsoft.com/office/drawing/2017/decorative" val="1"/>
+              </a:ext>
+            </a:extLst>
+          </p:cNvPr>
+          <p:cNvSpPr>
+            <a:spLocks noGrp="1" noRot="1" noChangeAspect="1" noMove="1" noResize="1" noEditPoints="1" noAdjustHandles="1" noChangeArrowheads="1" noChangeShapeType="1" noTextEdit="1"/>
+          </p:cNvSpPr>
+          <p:nvPr>
+            <p:extLst>
+              <p:ext uri="{386F3935-93C4-4BCD-93E2-E3B085C9AB24}">
+                <p16:designElem xmlns:p16="http://schemas.microsoft.com/office/powerpoint/2015/main" val="1"/>
+              </p:ext>
+            </p:extLst>
+          </p:nvPr>
+        </p:nvSpPr>
+        <p:spPr>
+          <a:xfrm rot="18900000">
+            <a:off x="3353363" y="5725768"/>
+            <a:ext cx="1728640" cy="1042921"/>
+          </a:xfrm>
+          <a:custGeom>
+            <a:avLst/>
+            <a:gdLst>
+              <a:gd name="connsiteX0" fmla="*/ 1391304 w 1728640"/>
+              <a:gd name="connsiteY0" fmla="*/ 238153 h 1042921"/>
+              <a:gd name="connsiteX1" fmla="*/ 1728640 w 1728640"/>
+              <a:gd name="connsiteY1" fmla="*/ 1042921 h 1042921"/>
+              <a:gd name="connsiteX2" fmla="*/ 1265147 w 1728640"/>
+              <a:gd name="connsiteY2" fmla="*/ 1042921 h 1042921"/>
+              <a:gd name="connsiteX3" fmla="*/ 801655 w 1728640"/>
+              <a:gd name="connsiteY3" fmla="*/ 521461 h 1042921"/>
+              <a:gd name="connsiteX4" fmla="*/ 374587 w 1728640"/>
+              <a:gd name="connsiteY4" fmla="*/ 839945 h 1042921"/>
+              <a:gd name="connsiteX5" fmla="*/ 362576 w 1728640"/>
+              <a:gd name="connsiteY5" fmla="*/ 883477 h 1042921"/>
+              <a:gd name="connsiteX6" fmla="*/ 0 w 1728640"/>
+              <a:gd name="connsiteY6" fmla="*/ 520901 h 1042921"/>
+              <a:gd name="connsiteX7" fmla="*/ 32986 w 1728640"/>
+              <a:gd name="connsiteY7" fmla="*/ 459814 h 1042921"/>
+              <a:gd name="connsiteX8" fmla="*/ 801656 w 1728640"/>
+              <a:gd name="connsiteY8" fmla="*/ 0 h 1042921"/>
+              <a:gd name="connsiteX9" fmla="*/ 1391304 w 1728640"/>
+              <a:gd name="connsiteY9" fmla="*/ 238153 h 1042921"/>
+            </a:gdLst>
+            <a:ahLst/>
+            <a:cxnLst>
+              <a:cxn ang="0">
+                <a:pos x="connsiteX0" y="connsiteY0"/>
+              </a:cxn>
+              <a:cxn ang="0">
+                <a:pos x="connsiteX1" y="connsiteY1"/>
+              </a:cxn>
+              <a:cxn ang="0">
+                <a:pos x="connsiteX2" y="connsiteY2"/>
+              </a:cxn>
+              <a:cxn ang="0">
+                <a:pos x="connsiteX3" y="connsiteY3"/>
+              </a:cxn>
+              <a:cxn ang="0">
+                <a:pos x="connsiteX4" y="connsiteY4"/>
+              </a:cxn>
+              <a:cxn ang="0">
+                <a:pos x="connsiteX5" y="connsiteY5"/>
+              </a:cxn>
+              <a:cxn ang="0">
+                <a:pos x="connsiteX6" y="connsiteY6"/>
+              </a:cxn>
+              <a:cxn ang="0">
+                <a:pos x="connsiteX7" y="connsiteY7"/>
+              </a:cxn>
+              <a:cxn ang="0">
+                <a:pos x="connsiteX8" y="connsiteY8"/>
+              </a:cxn>
+              <a:cxn ang="0">
+                <a:pos x="connsiteX9" y="connsiteY9"/>
+              </a:cxn>
+            </a:cxnLst>
+            <a:rect l="l" t="t" r="r" b="b"/>
+            <a:pathLst>
+              <a:path w="1728640" h="1042921">
+                <a:moveTo>
+                  <a:pt x="1391304" y="238153"/>
+                </a:moveTo>
+                <a:cubicBezTo>
+                  <a:pt x="1597323" y="429440"/>
+                  <a:pt x="1728640" y="718927"/>
+                  <a:pt x="1728640" y="1042921"/>
+                </a:cubicBezTo>
+                <a:lnTo>
+                  <a:pt x="1265147" y="1042921"/>
+                </a:lnTo>
+                <a:cubicBezTo>
+                  <a:pt x="1265147" y="754926"/>
+                  <a:pt x="1057635" y="521461"/>
+                  <a:pt x="801655" y="521461"/>
+                </a:cubicBezTo>
+                <a:cubicBezTo>
+                  <a:pt x="609671" y="521461"/>
+                  <a:pt x="444949" y="652785"/>
+                  <a:pt x="374587" y="839945"/>
+                </a:cubicBezTo>
+                <a:lnTo>
+                  <a:pt x="362576" y="883477"/>
+                </a:lnTo>
+                <a:lnTo>
+                  <a:pt x="0" y="520901"/>
+                </a:lnTo>
+                <a:lnTo>
+                  <a:pt x="32986" y="459814"/>
+                </a:lnTo>
+                <a:cubicBezTo>
+                  <a:pt x="199571" y="182395"/>
+                  <a:pt x="481681" y="0"/>
+                  <a:pt x="801656" y="0"/>
+                </a:cubicBezTo>
+                <a:cubicBezTo>
+                  <a:pt x="1025638" y="0"/>
+                  <a:pt x="1231066" y="89374"/>
+                  <a:pt x="1391304" y="238153"/>
+                </a:cubicBezTo>
+                <a:close/>
+              </a:path>
+            </a:pathLst>
+          </a:custGeom>
+          <a:solidFill>
+            <a:schemeClr val="bg2">
+              <a:lumMod val="50000"/>
+              <a:lumOff val="50000"/>
+              <a:alpha val="40000"/>
+            </a:schemeClr>
+          </a:solidFill>
+          <a:ln>
+            <a:noFill/>
+          </a:ln>
+          <a:effectLst>
+            <a:softEdge rad="190500"/>
+          </a:effectLst>
+        </p:spPr>
+        <p:style>
+          <a:lnRef idx="2">
+            <a:schemeClr val="accent1">
+              <a:shade val="50000"/>
+            </a:schemeClr>
+          </a:lnRef>
+          <a:fillRef idx="1">
+            <a:schemeClr val="accent1"/>
+          </a:fillRef>
+          <a:effectRef idx="0">
+            <a:schemeClr val="accent1"/>
+          </a:effectRef>
+          <a:fontRef idx="minor">
+            <a:schemeClr val="lt1"/>
+          </a:fontRef>
+        </p:style>
+        <p:txBody>
+          <a:bodyPr wrap="square" rtlCol="0" anchor="ctr">
+            <a:noAutofit/>
+          </a:bodyPr>
+          <a:lstStyle/>
+          <a:p>
+            <a:pPr algn="ctr"/>
+            <a:endParaRPr lang="en-US" dirty="0">
+              <a:solidFill>
+                <a:schemeClr val="tx1"/>
+              </a:solidFill>
+            </a:endParaRPr>
+          </a:p>
+        </p:txBody>
+      </p:sp>
+      <p:sp>
+        <p:nvSpPr>
+          <p:cNvPr id="24" name="Oval 23">
+            <a:extLst>
+              <a:ext uri="{FF2B5EF4-FFF2-40B4-BE49-F238E27FC236}">
+                <a16:creationId xmlns:a16="http://schemas.microsoft.com/office/drawing/2014/main" id="{022B5D87-7689-4E7F-B03A-7F803B5DF799}"/>
+              </a:ext>
+              <a:ext uri="{C183D7F6-B498-43B3-948B-1728B52AA6E4}">
+                <adec:decorative xmlns:adec="http://schemas.microsoft.com/office/drawing/2017/decorative" val="1"/>
+              </a:ext>
+            </a:extLst>
+          </p:cNvPr>
+          <p:cNvSpPr>
+            <a:spLocks noGrp="1" noRot="1" noChangeAspect="1" noMove="1" noResize="1" noEditPoints="1" noAdjustHandles="1" noChangeArrowheads="1" noChangeShapeType="1" noTextEdit="1"/>
+          </p:cNvSpPr>
+          <p:nvPr>
+            <p:extLst>
+              <p:ext uri="{386F3935-93C4-4BCD-93E2-E3B085C9AB24}">
+                <p16:designElem xmlns:p16="http://schemas.microsoft.com/office/powerpoint/2015/main" val="1"/>
+              </p:ext>
+            </p:extLst>
+          </p:nvPr>
+        </p:nvSpPr>
+        <p:spPr>
+          <a:xfrm rot="2700000">
+            <a:off x="4872920" y="5836283"/>
+            <a:ext cx="107098" cy="466589"/>
+          </a:xfrm>
+          <a:prstGeom prst="ellipse">
+            <a:avLst/>
+          </a:prstGeom>
+          <a:solidFill>
+            <a:schemeClr val="bg2"/>
+          </a:solidFill>
+          <a:ln>
+            <a:noFill/>
+          </a:ln>
+          <a:effectLst>
+            <a:innerShdw blurRad="63500" dist="2540000">
+              <a:schemeClr val="accent1">
+                <a:lumMod val="40000"/>
+                <a:lumOff val="60000"/>
+                <a:alpha val="20000"/>
+              </a:schemeClr>
+            </a:innerShdw>
+          </a:effectLst>
+        </p:spPr>
+        <p:style>
+          <a:lnRef idx="2">
+            <a:schemeClr val="accent1">
+              <a:shade val="50000"/>
+            </a:schemeClr>
+          </a:lnRef>
+          <a:fillRef idx="1">
+            <a:schemeClr val="accent1"/>
+          </a:fillRef>
+          <a:effectRef idx="0">
+            <a:schemeClr val="accent1"/>
+          </a:effectRef>
+          <a:fontRef idx="minor">
+            <a:schemeClr val="lt1"/>
+          </a:fontRef>
+        </p:style>
+        <p:txBody>
+          <a:bodyPr rot="0" spcFirstLastPara="0" vertOverflow="overflow" horzOverflow="overflow" vert="horz" wrap="square" lIns="91440" tIns="45720" rIns="91440" bIns="45720" numCol="1" spcCol="0" rtlCol="0" fromWordArt="0" anchor="ctr" anchorCtr="0" forceAA="0" compatLnSpc="1">
+            <a:prstTxWarp prst="textNoShape">
+              <a:avLst/>
+            </a:prstTxWarp>
+            <a:noAutofit/>
+          </a:bodyPr>
+          <a:lstStyle/>
+          <a:p>
+            <a:pPr algn="ctr"/>
+            <a:endParaRPr lang="en-US"/>
+          </a:p>
+        </p:txBody>
+      </p:sp>
+      <p:graphicFrame>
+        <p:nvGraphicFramePr>
+          <p:cNvPr id="7" name="Content Placeholder 2">
+            <a:extLst>
+              <a:ext uri="{FF2B5EF4-FFF2-40B4-BE49-F238E27FC236}">
+                <a16:creationId xmlns:a16="http://schemas.microsoft.com/office/drawing/2014/main" id="{F5A58BC8-5D84-4386-905D-0B1FFCE539DC}"/>
+              </a:ext>
+            </a:extLst>
+          </p:cNvPr>
+          <p:cNvGraphicFramePr>
+            <a:graphicFrameLocks noGrp="1"/>
+          </p:cNvGraphicFramePr>
+          <p:nvPr>
+            <p:ph idx="1"/>
+            <p:extLst>
+              <p:ext uri="{D42A27DB-BD31-4B8C-83A1-F6EECF244321}">
+                <p14:modId xmlns:p14="http://schemas.microsoft.com/office/powerpoint/2010/main" val="2669914943"/>
+              </p:ext>
+            </p:extLst>
+          </p:nvPr>
+        </p:nvGraphicFramePr>
+        <p:xfrm>
+          <a:off x="5267325" y="549275"/>
+          <a:ext cx="6373814" cy="5759450"/>
+        </p:xfrm>
+        <a:graphic>
+          <a:graphicData uri="http://schemas.openxmlformats.org/drawingml/2006/diagram">
+            <dgm:relIds xmlns:dgm="http://schemas.openxmlformats.org/drawingml/2006/diagram" xmlns:r="http://schemas.openxmlformats.org/officeDocument/2006/relationships" r:dm="rId2" r:lo="rId3" r:qs="rId4" r:cs="rId5"/>
+          </a:graphicData>
+        </a:graphic>
+      </p:graphicFrame>
     </p:spTree>
     <p:extLst>
       <p:ext uri="{BB962C8B-B14F-4D97-AF65-F5344CB8AC3E}">
@@ -14359,7 +17847,7 @@
 </p:sld>
 </file>
 
-<file path=ppt/slides/slide12.xml><?xml version="1.0" encoding="utf-8"?>
+<file path=ppt/slides/slide11.xml><?xml version="1.0" encoding="utf-8"?>
 <p:sld xmlns:a="http://schemas.openxmlformats.org/drawingml/2006/main" xmlns:r="http://schemas.openxmlformats.org/officeDocument/2006/relationships" xmlns:p="http://schemas.openxmlformats.org/presentationml/2006/main">
   <p:cSld>
     <p:spTree>
@@ -14536,7 +18024,7 @@
 </p:sld>
 </file>
 
-<file path=ppt/slides/slide13.xml><?xml version="1.0" encoding="utf-8"?>
+<file path=ppt/slides/slide12.xml><?xml version="1.0" encoding="utf-8"?>
 <p:sld xmlns:a="http://schemas.openxmlformats.org/drawingml/2006/main" xmlns:r="http://schemas.openxmlformats.org/officeDocument/2006/relationships" xmlns:p="http://schemas.openxmlformats.org/presentationml/2006/main">
   <p:cSld>
     <p:bg>
@@ -16429,7 +19917,7 @@
 </p:sld>
 </file>
 
-<file path=ppt/slides/slide14.xml><?xml version="1.0" encoding="utf-8"?>
+<file path=ppt/slides/slide13.xml><?xml version="1.0" encoding="utf-8"?>
 <p:sld xmlns:a="http://schemas.openxmlformats.org/drawingml/2006/main" xmlns:r="http://schemas.openxmlformats.org/officeDocument/2006/relationships" xmlns:p="http://schemas.openxmlformats.org/presentationml/2006/main">
   <p:cSld>
     <p:spTree>
@@ -16518,7 +20006,7 @@
 </p:sld>
 </file>
 
-<file path=ppt/slides/slide15.xml><?xml version="1.0" encoding="utf-8"?>
+<file path=ppt/slides/slide14.xml><?xml version="1.0" encoding="utf-8"?>
 <p:sld xmlns:a="http://schemas.openxmlformats.org/drawingml/2006/main" xmlns:r="http://schemas.openxmlformats.org/officeDocument/2006/relationships" xmlns:p="http://schemas.openxmlformats.org/presentationml/2006/main">
   <p:cSld>
     <p:spTree>
@@ -16725,7 +20213,7 @@
 </p:sld>
 </file>
 
-<file path=ppt/slides/slide16.xml><?xml version="1.0" encoding="utf-8"?>
+<file path=ppt/slides/slide15.xml><?xml version="1.0" encoding="utf-8"?>
 <p:sld xmlns:a="http://schemas.openxmlformats.org/drawingml/2006/main" xmlns:r="http://schemas.openxmlformats.org/officeDocument/2006/relationships" xmlns:p="http://schemas.openxmlformats.org/presentationml/2006/main">
   <p:cSld>
     <p:bg>
@@ -17881,7 +21369,7 @@
 </p:sld>
 </file>
 
-<file path=ppt/slides/slide17.xml><?xml version="1.0" encoding="utf-8"?>
+<file path=ppt/slides/slide16.xml><?xml version="1.0" encoding="utf-8"?>
 <p:sld xmlns:a="http://schemas.openxmlformats.org/drawingml/2006/main" xmlns:r="http://schemas.openxmlformats.org/officeDocument/2006/relationships" xmlns:p="http://schemas.openxmlformats.org/presentationml/2006/main">
   <p:cSld>
     <p:bg>
@@ -21778,6 +25266,36 @@
           </a:p>
         </p:txBody>
       </p:sp>
+      <p:pic>
+        <p:nvPicPr>
+          <p:cNvPr id="3" name="Picture 3" descr="Graphical user interface, text, application, email&#10;&#10;Description automatically generated">
+            <a:extLst>
+              <a:ext uri="{FF2B5EF4-FFF2-40B4-BE49-F238E27FC236}">
+                <a16:creationId xmlns:a16="http://schemas.microsoft.com/office/drawing/2014/main" id="{3FDA2E4D-6C79-4CA5-B373-552A3716242A}"/>
+              </a:ext>
+            </a:extLst>
+          </p:cNvPr>
+          <p:cNvPicPr>
+            <a:picLocks noChangeAspect="1"/>
+          </p:cNvPicPr>
+          <p:nvPr/>
+        </p:nvPicPr>
+        <p:blipFill>
+          <a:blip r:embed="rId2"/>
+          <a:stretch>
+            <a:fillRect/>
+          </a:stretch>
+        </p:blipFill>
+        <p:spPr>
+          <a:xfrm>
+            <a:off x="1989552" y="1260274"/>
+            <a:ext cx="5832953" cy="4462716"/>
+          </a:xfrm>
+          <a:prstGeom prst="rect">
+            <a:avLst/>
+          </a:prstGeom>
+        </p:spPr>
+      </p:pic>
     </p:spTree>
     <p:extLst>
       <p:ext uri="{BB962C8B-B14F-4D97-AF65-F5344CB8AC3E}">
